--- a/Presentacion/Presentation.pptx
+++ b/Presentacion/Presentation.pptx
@@ -7,6 +7,18 @@
   <p:sldIdLst>
     <p:sldId id="256" r:id="rId2"/>
     <p:sldId id="257" r:id="rId3"/>
+    <p:sldId id="258" r:id="rId4"/>
+    <p:sldId id="259" r:id="rId5"/>
+    <p:sldId id="260" r:id="rId6"/>
+    <p:sldId id="261" r:id="rId7"/>
+    <p:sldId id="262" r:id="rId8"/>
+    <p:sldId id="263" r:id="rId9"/>
+    <p:sldId id="264" r:id="rId10"/>
+    <p:sldId id="265" r:id="rId11"/>
+    <p:sldId id="266" r:id="rId12"/>
+    <p:sldId id="267" r:id="rId13"/>
+    <p:sldId id="268" r:id="rId14"/>
+    <p:sldId id="269" r:id="rId15"/>
   </p:sldIdLst>
   <p:sldSz cx="9144000" cy="6858000" type="screen4x3"/>
   <p:notesSz cx="6858000" cy="9144000"/>
@@ -3588,8 +3600,8 @@
         </p:nvSpPr>
         <p:spPr>
           <a:xfrm>
-            <a:off x="950140" y="173094"/>
-            <a:ext cx="7168444" cy="876770"/>
+            <a:off x="1101790" y="170492"/>
+            <a:ext cx="6931491" cy="876770"/>
           </a:xfrm>
         </p:spPr>
         <p:txBody>
@@ -3650,8 +3662,8 @@
         </p:nvSpPr>
         <p:spPr>
           <a:xfrm>
-            <a:off x="950140" y="1115718"/>
-            <a:ext cx="7168444" cy="990600"/>
+            <a:off x="1101790" y="1113116"/>
+            <a:ext cx="6931491" cy="990600"/>
           </a:xfrm>
         </p:spPr>
         <p:txBody>
@@ -3722,6 +3734,27 @@
               <a:t>web para habilitar el estudio del </a:t>
             </a:r>
             <a:r>
+              <a:rPr lang="en-US" dirty="0" err="1" smtClean="0">
+                <a:ln w="18415" cmpd="sng">
+                  <a:solidFill>
+                    <a:srgbClr val="FFFFFF"/>
+                  </a:solidFill>
+                  <a:prstDash val="solid"/>
+                </a:ln>
+                <a:solidFill>
+                  <a:srgbClr val="FFFFFF"/>
+                </a:solidFill>
+                <a:effectLst>
+                  <a:outerShdw blurRad="63500" dir="3600000" algn="tl" rotWithShape="0">
+                    <a:srgbClr val="000000">
+                      <a:alpha val="70000"/>
+                    </a:srgbClr>
+                  </a:outerShdw>
+                </a:effectLst>
+              </a:rPr>
+              <a:t>movimiento</a:t>
+            </a:r>
+            <a:r>
               <a:rPr lang="en-US" dirty="0" smtClean="0">
                 <a:ln w="18415" cmpd="sng">
                   <a:solidFill>
@@ -3740,7 +3773,28 @@
                   </a:outerShdw>
                 </a:effectLst>
               </a:rPr>
-              <a:t>movimiento antivacuna </a:t>
+              <a:t> </a:t>
+            </a:r>
+            <a:r>
+              <a:rPr lang="en-US" dirty="0" err="1" smtClean="0">
+                <a:ln w="18415" cmpd="sng">
+                  <a:solidFill>
+                    <a:srgbClr val="FFFFFF"/>
+                  </a:solidFill>
+                  <a:prstDash val="solid"/>
+                </a:ln>
+                <a:solidFill>
+                  <a:srgbClr val="FFFFFF"/>
+                </a:solidFill>
+                <a:effectLst>
+                  <a:outerShdw blurRad="63500" dir="3600000" algn="tl" rotWithShape="0">
+                    <a:srgbClr val="000000">
+                      <a:alpha val="70000"/>
+                    </a:srgbClr>
+                  </a:outerShdw>
+                </a:effectLst>
+              </a:rPr>
+              <a:t>antivacuna</a:t>
             </a:r>
             <a:endParaRPr lang="en-US" dirty="0">
               <a:ln w="18415" cmpd="sng">
@@ -3778,7 +3832,7 @@
         </p:nvSpPr>
         <p:spPr>
           <a:xfrm>
-            <a:off x="950140" y="3969897"/>
+            <a:off x="798489" y="3968812"/>
             <a:ext cx="7168444" cy="2185214"/>
           </a:xfrm>
           <a:prstGeom prst="rect">
@@ -3875,7 +3929,7 @@
         </p:blipFill>
         <p:spPr>
           <a:xfrm>
-            <a:off x="5667992" y="4899335"/>
+            <a:off x="5885990" y="4899335"/>
             <a:ext cx="2450592" cy="1255776"/>
           </a:xfrm>
           <a:prstGeom prst="rect">
@@ -3893,14 +3947,724 @@
   <p:clrMapOvr>
     <a:masterClrMapping/>
   </p:clrMapOvr>
-  <mc:AlternateContent xmlns:mc="http://schemas.openxmlformats.org/markup-compatibility/2006" xmlns:p14="http://schemas.microsoft.com/office/powerpoint/2010/main">
-    <mc:Choice Requires="p14">
+  <mc:AlternateContent xmlns:mc="http://schemas.openxmlformats.org/markup-compatibility/2006">
+    <mc:Choice xmlns:p14="http://schemas.microsoft.com/office/powerpoint/2010/main" Requires="p14">
       <p:transition p14:dur="0"/>
     </mc:Choice>
-    <mc:Fallback xmlns="">
+    <mc:Fallback>
       <p:transition xmlns:p14="http://schemas.microsoft.com/office/powerpoint/2010/main"/>
     </mc:Fallback>
   </mc:AlternateContent>
+  <p:timing>
+    <p:tnLst>
+      <p:par>
+        <p:cTn xmlns:p14="http://schemas.microsoft.com/office/powerpoint/2010/main" id="1" dur="indefinite" restart="never" nodeType="tmRoot"/>
+      </p:par>
+    </p:tnLst>
+  </p:timing>
+</p:sld>
+</file>
+
+<file path=ppt/slides/slide10.xml><?xml version="1.0" encoding="utf-8"?>
+<p:sld xmlns:a="http://schemas.openxmlformats.org/drawingml/2006/main" xmlns:r="http://schemas.openxmlformats.org/officeDocument/2006/relationships" xmlns:p="http://schemas.openxmlformats.org/presentationml/2006/main">
+  <p:cSld>
+    <p:spTree>
+      <p:nvGrpSpPr>
+        <p:cNvPr id="1" name=""/>
+        <p:cNvGrpSpPr/>
+        <p:nvPr/>
+      </p:nvGrpSpPr>
+      <p:grpSpPr>
+        <a:xfrm>
+          <a:off x="0" y="0"/>
+          <a:ext cx="0" cy="0"/>
+          <a:chOff x="0" y="0"/>
+          <a:chExt cx="0" cy="0"/>
+        </a:xfrm>
+      </p:grpSpPr>
+      <p:sp>
+        <p:nvSpPr>
+          <p:cNvPr id="2" name="Title 1"/>
+          <p:cNvSpPr>
+            <a:spLocks noGrp="1"/>
+          </p:cNvSpPr>
+          <p:nvPr>
+            <p:ph type="title"/>
+          </p:nvPr>
+        </p:nvSpPr>
+        <p:spPr/>
+        <p:txBody>
+          <a:bodyPr>
+            <a:normAutofit/>
+          </a:bodyPr>
+          <a:lstStyle/>
+          <a:p>
+            <a:pPr lvl="1" algn="l" rtl="0">
+              <a:spcBef>
+                <a:spcPct val="0"/>
+              </a:spcBef>
+            </a:pPr>
+            <a:r>
+              <a:rPr lang="es-ES_tradnl" sz="4800" dirty="0" smtClean="0">
+                <a:latin typeface="+mj-lt"/>
+              </a:rPr>
+              <a:t>Pruebas</a:t>
+            </a:r>
+            <a:endParaRPr lang="es-ES_tradnl" sz="4800" dirty="0">
+              <a:latin typeface="+mj-lt"/>
+            </a:endParaRPr>
+          </a:p>
+        </p:txBody>
+      </p:sp>
+      <p:sp>
+        <p:nvSpPr>
+          <p:cNvPr id="3" name="Content Placeholder 2"/>
+          <p:cNvSpPr>
+            <a:spLocks noGrp="1"/>
+          </p:cNvSpPr>
+          <p:nvPr>
+            <p:ph idx="1"/>
+          </p:nvPr>
+        </p:nvSpPr>
+        <p:spPr/>
+        <p:txBody>
+          <a:bodyPr/>
+          <a:lstStyle/>
+          <a:p>
+            <a:endParaRPr lang="es-ES_tradnl"/>
+          </a:p>
+        </p:txBody>
+      </p:sp>
+    </p:spTree>
+    <p:extLst>
+      <p:ext uri="{BB962C8B-B14F-4D97-AF65-F5344CB8AC3E}">
+        <p14:creationId xmlns:p14="http://schemas.microsoft.com/office/powerpoint/2010/main" val="3581696604"/>
+      </p:ext>
+    </p:extLst>
+  </p:cSld>
+  <p:clrMapOvr>
+    <a:masterClrMapping/>
+  </p:clrMapOvr>
+  <p:transition xmlns:p14="http://schemas.microsoft.com/office/powerpoint/2010/main" spd="slow">
+    <p:push/>
+  </p:transition>
+  <p:timing>
+    <p:tnLst>
+      <p:par>
+        <p:cTn xmlns:p14="http://schemas.microsoft.com/office/powerpoint/2010/main" id="1" dur="indefinite" restart="never" nodeType="tmRoot"/>
+      </p:par>
+    </p:tnLst>
+  </p:timing>
+</p:sld>
+</file>
+
+<file path=ppt/slides/slide11.xml><?xml version="1.0" encoding="utf-8"?>
+<p:sld xmlns:a="http://schemas.openxmlformats.org/drawingml/2006/main" xmlns:r="http://schemas.openxmlformats.org/officeDocument/2006/relationships" xmlns:p="http://schemas.openxmlformats.org/presentationml/2006/main">
+  <p:cSld>
+    <p:spTree>
+      <p:nvGrpSpPr>
+        <p:cNvPr id="1" name=""/>
+        <p:cNvGrpSpPr/>
+        <p:nvPr/>
+      </p:nvGrpSpPr>
+      <p:grpSpPr>
+        <a:xfrm>
+          <a:off x="0" y="0"/>
+          <a:ext cx="0" cy="0"/>
+          <a:chOff x="0" y="0"/>
+          <a:chExt cx="0" cy="0"/>
+        </a:xfrm>
+      </p:grpSpPr>
+      <p:sp>
+        <p:nvSpPr>
+          <p:cNvPr id="2" name="Title 1"/>
+          <p:cNvSpPr>
+            <a:spLocks noGrp="1"/>
+          </p:cNvSpPr>
+          <p:nvPr>
+            <p:ph type="title"/>
+          </p:nvPr>
+        </p:nvSpPr>
+        <p:spPr/>
+        <p:txBody>
+          <a:bodyPr>
+            <a:normAutofit/>
+          </a:bodyPr>
+          <a:lstStyle/>
+          <a:p>
+            <a:r>
+              <a:rPr lang="es-ES_tradnl" sz="4800" dirty="0"/>
+              <a:t>Demostración</a:t>
+            </a:r>
+          </a:p>
+        </p:txBody>
+      </p:sp>
+      <p:sp>
+        <p:nvSpPr>
+          <p:cNvPr id="3" name="Content Placeholder 2"/>
+          <p:cNvSpPr>
+            <a:spLocks noGrp="1"/>
+          </p:cNvSpPr>
+          <p:nvPr>
+            <p:ph idx="1"/>
+          </p:nvPr>
+        </p:nvSpPr>
+        <p:spPr/>
+        <p:txBody>
+          <a:bodyPr/>
+          <a:lstStyle/>
+          <a:p>
+            <a:endParaRPr lang="es-ES_tradnl"/>
+          </a:p>
+        </p:txBody>
+      </p:sp>
+    </p:spTree>
+    <p:extLst>
+      <p:ext uri="{BB962C8B-B14F-4D97-AF65-F5344CB8AC3E}">
+        <p14:creationId xmlns:p14="http://schemas.microsoft.com/office/powerpoint/2010/main" val="152025444"/>
+      </p:ext>
+    </p:extLst>
+  </p:cSld>
+  <p:clrMapOvr>
+    <a:masterClrMapping/>
+  </p:clrMapOvr>
+  <p:transition xmlns:p14="http://schemas.microsoft.com/office/powerpoint/2010/main" spd="slow">
+    <p:push dir="u"/>
+  </p:transition>
+  <p:timing>
+    <p:tnLst>
+      <p:par>
+        <p:cTn xmlns:p14="http://schemas.microsoft.com/office/powerpoint/2010/main" id="1" dur="indefinite" restart="never" nodeType="tmRoot"/>
+      </p:par>
+    </p:tnLst>
+  </p:timing>
+</p:sld>
+</file>
+
+<file path=ppt/slides/slide12.xml><?xml version="1.0" encoding="utf-8"?>
+<p:sld xmlns:a="http://schemas.openxmlformats.org/drawingml/2006/main" xmlns:r="http://schemas.openxmlformats.org/officeDocument/2006/relationships" xmlns:p="http://schemas.openxmlformats.org/presentationml/2006/main">
+  <p:cSld>
+    <p:spTree>
+      <p:nvGrpSpPr>
+        <p:cNvPr id="1" name=""/>
+        <p:cNvGrpSpPr/>
+        <p:nvPr/>
+      </p:nvGrpSpPr>
+      <p:grpSpPr>
+        <a:xfrm>
+          <a:off x="0" y="0"/>
+          <a:ext cx="0" cy="0"/>
+          <a:chOff x="0" y="0"/>
+          <a:chExt cx="0" cy="0"/>
+        </a:xfrm>
+      </p:grpSpPr>
+      <p:sp>
+        <p:nvSpPr>
+          <p:cNvPr id="2" name="Title 1"/>
+          <p:cNvSpPr>
+            <a:spLocks noGrp="1"/>
+          </p:cNvSpPr>
+          <p:nvPr>
+            <p:ph type="title"/>
+          </p:nvPr>
+        </p:nvSpPr>
+        <p:spPr/>
+        <p:txBody>
+          <a:bodyPr>
+            <a:normAutofit/>
+          </a:bodyPr>
+          <a:lstStyle/>
+          <a:p>
+            <a:r>
+              <a:rPr lang="es-ES_tradnl" sz="4800" dirty="0"/>
+              <a:t>Mejoras</a:t>
+            </a:r>
+          </a:p>
+        </p:txBody>
+      </p:sp>
+      <p:sp>
+        <p:nvSpPr>
+          <p:cNvPr id="3" name="Content Placeholder 2"/>
+          <p:cNvSpPr>
+            <a:spLocks noGrp="1"/>
+          </p:cNvSpPr>
+          <p:nvPr>
+            <p:ph idx="1"/>
+          </p:nvPr>
+        </p:nvSpPr>
+        <p:spPr/>
+        <p:txBody>
+          <a:bodyPr/>
+          <a:lstStyle/>
+          <a:p>
+            <a:endParaRPr lang="es-ES_tradnl"/>
+          </a:p>
+        </p:txBody>
+      </p:sp>
+    </p:spTree>
+    <p:extLst>
+      <p:ext uri="{BB962C8B-B14F-4D97-AF65-F5344CB8AC3E}">
+        <p14:creationId xmlns:p14="http://schemas.microsoft.com/office/powerpoint/2010/main" val="1185190952"/>
+      </p:ext>
+    </p:extLst>
+  </p:cSld>
+  <p:clrMapOvr>
+    <a:masterClrMapping/>
+  </p:clrMapOvr>
+  <p:transition xmlns:p14="http://schemas.microsoft.com/office/powerpoint/2010/main" spd="slow">
+    <p:push dir="u"/>
+  </p:transition>
+  <p:timing>
+    <p:tnLst>
+      <p:par>
+        <p:cTn xmlns:p14="http://schemas.microsoft.com/office/powerpoint/2010/main" id="1" dur="indefinite" restart="never" nodeType="tmRoot"/>
+      </p:par>
+    </p:tnLst>
+  </p:timing>
+</p:sld>
+</file>
+
+<file path=ppt/slides/slide13.xml><?xml version="1.0" encoding="utf-8"?>
+<p:sld xmlns:a="http://schemas.openxmlformats.org/drawingml/2006/main" xmlns:r="http://schemas.openxmlformats.org/officeDocument/2006/relationships" xmlns:p="http://schemas.openxmlformats.org/presentationml/2006/main">
+  <p:cSld>
+    <p:spTree>
+      <p:nvGrpSpPr>
+        <p:cNvPr id="1" name=""/>
+        <p:cNvGrpSpPr/>
+        <p:nvPr/>
+      </p:nvGrpSpPr>
+      <p:grpSpPr>
+        <a:xfrm>
+          <a:off x="0" y="0"/>
+          <a:ext cx="0" cy="0"/>
+          <a:chOff x="0" y="0"/>
+          <a:chExt cx="0" cy="0"/>
+        </a:xfrm>
+      </p:grpSpPr>
+      <p:sp>
+        <p:nvSpPr>
+          <p:cNvPr id="2" name="Title 1"/>
+          <p:cNvSpPr>
+            <a:spLocks noGrp="1"/>
+          </p:cNvSpPr>
+          <p:nvPr>
+            <p:ph type="title"/>
+          </p:nvPr>
+        </p:nvSpPr>
+        <p:spPr/>
+        <p:txBody>
+          <a:bodyPr>
+            <a:normAutofit/>
+          </a:bodyPr>
+          <a:lstStyle/>
+          <a:p>
+            <a:r>
+              <a:rPr lang="es-ES_tradnl" sz="4800" dirty="0"/>
+              <a:t>Conclusiones</a:t>
+            </a:r>
+          </a:p>
+        </p:txBody>
+      </p:sp>
+      <p:sp>
+        <p:nvSpPr>
+          <p:cNvPr id="3" name="Content Placeholder 2"/>
+          <p:cNvSpPr>
+            <a:spLocks noGrp="1"/>
+          </p:cNvSpPr>
+          <p:nvPr>
+            <p:ph idx="1"/>
+          </p:nvPr>
+        </p:nvSpPr>
+        <p:spPr/>
+        <p:txBody>
+          <a:bodyPr/>
+          <a:lstStyle/>
+          <a:p>
+            <a:endParaRPr lang="es-ES_tradnl"/>
+          </a:p>
+        </p:txBody>
+      </p:sp>
+    </p:spTree>
+    <p:extLst>
+      <p:ext uri="{BB962C8B-B14F-4D97-AF65-F5344CB8AC3E}">
+        <p14:creationId xmlns:p14="http://schemas.microsoft.com/office/powerpoint/2010/main" val="3726377054"/>
+      </p:ext>
+    </p:extLst>
+  </p:cSld>
+  <p:clrMapOvr>
+    <a:masterClrMapping/>
+  </p:clrMapOvr>
+  <p:transition xmlns:p14="http://schemas.microsoft.com/office/powerpoint/2010/main" spd="slow">
+    <p:push dir="u"/>
+  </p:transition>
+  <p:timing>
+    <p:tnLst>
+      <p:par>
+        <p:cTn xmlns:p14="http://schemas.microsoft.com/office/powerpoint/2010/main" id="1" dur="indefinite" restart="never" nodeType="tmRoot"/>
+      </p:par>
+    </p:tnLst>
+  </p:timing>
+</p:sld>
+</file>
+
+<file path=ppt/slides/slide14.xml><?xml version="1.0" encoding="utf-8"?>
+<p:sld xmlns:a="http://schemas.openxmlformats.org/drawingml/2006/main" xmlns:r="http://schemas.openxmlformats.org/officeDocument/2006/relationships" xmlns:p="http://schemas.openxmlformats.org/presentationml/2006/main">
+  <p:cSld>
+    <p:spTree>
+      <p:nvGrpSpPr>
+        <p:cNvPr id="1" name=""/>
+        <p:cNvGrpSpPr/>
+        <p:nvPr/>
+      </p:nvGrpSpPr>
+      <p:grpSpPr>
+        <a:xfrm>
+          <a:off x="0" y="0"/>
+          <a:ext cx="0" cy="0"/>
+          <a:chOff x="0" y="0"/>
+          <a:chExt cx="0" cy="0"/>
+        </a:xfrm>
+      </p:grpSpPr>
+      <p:sp>
+        <p:nvSpPr>
+          <p:cNvPr id="5" name="Subtitle 2"/>
+          <p:cNvSpPr txBox="1">
+            <a:spLocks/>
+          </p:cNvSpPr>
+          <p:nvPr/>
+        </p:nvSpPr>
+        <p:spPr>
+          <a:xfrm>
+            <a:off x="1101790" y="686736"/>
+            <a:ext cx="6931491" cy="1529864"/>
+          </a:xfrm>
+          <a:prstGeom prst="rect">
+            <a:avLst/>
+          </a:prstGeom>
+        </p:spPr>
+        <p:txBody>
+          <a:bodyPr vert="horz" lIns="91440" tIns="45720" rIns="91440" bIns="45720" rtlCol="0" anchor="t" anchorCtr="0">
+            <a:normAutofit/>
+          </a:bodyPr>
+          <a:lstStyle>
+            <a:lvl1pPr marL="0" indent="0" algn="l" defTabSz="914400" rtl="0" eaLnBrk="1" latinLnBrk="0" hangingPunct="1">
+              <a:spcBef>
+                <a:spcPct val="20000"/>
+              </a:spcBef>
+              <a:buClr>
+                <a:schemeClr val="accent1"/>
+              </a:buClr>
+              <a:buFont typeface="Arial" pitchFamily="34" charset="0"/>
+              <a:buNone/>
+              <a:defRPr sz="2800" kern="1200">
+                <a:solidFill>
+                  <a:schemeClr val="tx2"/>
+                </a:solidFill>
+                <a:latin typeface="+mn-lt"/>
+                <a:ea typeface="+mn-ea"/>
+                <a:cs typeface="+mn-cs"/>
+              </a:defRPr>
+            </a:lvl1pPr>
+            <a:lvl2pPr marL="457200" indent="0" algn="l" defTabSz="914400" rtl="0" eaLnBrk="1" latinLnBrk="0" hangingPunct="1">
+              <a:spcBef>
+                <a:spcPct val="20000"/>
+              </a:spcBef>
+              <a:buClr>
+                <a:schemeClr val="accent1"/>
+              </a:buClr>
+              <a:buFont typeface="Arial" pitchFamily="34" charset="0"/>
+              <a:buNone/>
+              <a:defRPr sz="1800" kern="1200">
+                <a:solidFill>
+                  <a:schemeClr val="tx1">
+                    <a:tint val="75000"/>
+                  </a:schemeClr>
+                </a:solidFill>
+                <a:latin typeface="+mn-lt"/>
+                <a:ea typeface="+mn-ea"/>
+                <a:cs typeface="+mn-cs"/>
+              </a:defRPr>
+            </a:lvl2pPr>
+            <a:lvl3pPr marL="914400" indent="0" algn="l" defTabSz="914400" rtl="0" eaLnBrk="1" latinLnBrk="0" hangingPunct="1">
+              <a:spcBef>
+                <a:spcPct val="20000"/>
+              </a:spcBef>
+              <a:buClr>
+                <a:schemeClr val="accent1"/>
+              </a:buClr>
+              <a:buFont typeface="Arial" pitchFamily="34" charset="0"/>
+              <a:buNone/>
+              <a:defRPr sz="1600" kern="1200">
+                <a:solidFill>
+                  <a:schemeClr val="tx1">
+                    <a:tint val="75000"/>
+                  </a:schemeClr>
+                </a:solidFill>
+                <a:latin typeface="+mn-lt"/>
+                <a:ea typeface="+mn-ea"/>
+                <a:cs typeface="+mn-cs"/>
+              </a:defRPr>
+            </a:lvl3pPr>
+            <a:lvl4pPr marL="1371600" indent="0" algn="l" defTabSz="914400" rtl="0" eaLnBrk="1" latinLnBrk="0" hangingPunct="1">
+              <a:spcBef>
+                <a:spcPct val="20000"/>
+              </a:spcBef>
+              <a:buClr>
+                <a:schemeClr val="accent1"/>
+              </a:buClr>
+              <a:buFont typeface="Arial" pitchFamily="34" charset="0"/>
+              <a:buNone/>
+              <a:defRPr sz="1400" kern="1200">
+                <a:solidFill>
+                  <a:schemeClr val="tx1">
+                    <a:tint val="75000"/>
+                  </a:schemeClr>
+                </a:solidFill>
+                <a:latin typeface="+mn-lt"/>
+                <a:ea typeface="+mn-ea"/>
+                <a:cs typeface="+mn-cs"/>
+              </a:defRPr>
+            </a:lvl4pPr>
+            <a:lvl5pPr marL="1828800" indent="0" algn="l" defTabSz="914400" rtl="0" eaLnBrk="1" latinLnBrk="0" hangingPunct="1">
+              <a:spcBef>
+                <a:spcPct val="20000"/>
+              </a:spcBef>
+              <a:buClr>
+                <a:schemeClr val="accent1"/>
+              </a:buClr>
+              <a:buFont typeface="Arial" pitchFamily="34" charset="0"/>
+              <a:buNone/>
+              <a:defRPr sz="1400" kern="1200" baseline="0">
+                <a:solidFill>
+                  <a:schemeClr val="tx1">
+                    <a:tint val="75000"/>
+                  </a:schemeClr>
+                </a:solidFill>
+                <a:latin typeface="+mn-lt"/>
+                <a:ea typeface="+mn-ea"/>
+                <a:cs typeface="+mn-cs"/>
+              </a:defRPr>
+            </a:lvl5pPr>
+            <a:lvl6pPr marL="2286000" indent="0" algn="l" defTabSz="914400" rtl="0" eaLnBrk="1" latinLnBrk="0" hangingPunct="1">
+              <a:spcBef>
+                <a:spcPct val="20000"/>
+              </a:spcBef>
+              <a:buClr>
+                <a:schemeClr val="accent1"/>
+              </a:buClr>
+              <a:buFont typeface="Arial" pitchFamily="34" charset="0"/>
+              <a:buNone/>
+              <a:defRPr sz="1400" kern="1200">
+                <a:solidFill>
+                  <a:schemeClr val="tx1">
+                    <a:tint val="75000"/>
+                  </a:schemeClr>
+                </a:solidFill>
+                <a:latin typeface="+mn-lt"/>
+                <a:ea typeface="+mn-ea"/>
+                <a:cs typeface="+mn-cs"/>
+              </a:defRPr>
+            </a:lvl6pPr>
+            <a:lvl7pPr marL="2743200" indent="0" algn="l" defTabSz="914400" rtl="0" eaLnBrk="1" latinLnBrk="0" hangingPunct="1">
+              <a:spcBef>
+                <a:spcPct val="20000"/>
+              </a:spcBef>
+              <a:buClr>
+                <a:schemeClr val="accent1"/>
+              </a:buClr>
+              <a:buFont typeface="Arial" pitchFamily="34" charset="0"/>
+              <a:buNone/>
+              <a:defRPr sz="1400" kern="1200">
+                <a:solidFill>
+                  <a:schemeClr val="tx1">
+                    <a:tint val="75000"/>
+                  </a:schemeClr>
+                </a:solidFill>
+                <a:latin typeface="+mn-lt"/>
+                <a:ea typeface="+mn-ea"/>
+                <a:cs typeface="+mn-cs"/>
+              </a:defRPr>
+            </a:lvl7pPr>
+            <a:lvl8pPr marL="3200400" indent="0" algn="l" defTabSz="914400" rtl="0" eaLnBrk="1" latinLnBrk="0" hangingPunct="1">
+              <a:spcBef>
+                <a:spcPct val="20000"/>
+              </a:spcBef>
+              <a:buClr>
+                <a:schemeClr val="accent1"/>
+              </a:buClr>
+              <a:buFont typeface="Arial" pitchFamily="34" charset="0"/>
+              <a:buNone/>
+              <a:defRPr sz="1400" kern="1200">
+                <a:solidFill>
+                  <a:schemeClr val="tx1">
+                    <a:tint val="75000"/>
+                  </a:schemeClr>
+                </a:solidFill>
+                <a:latin typeface="+mn-lt"/>
+                <a:ea typeface="+mn-ea"/>
+                <a:cs typeface="+mn-cs"/>
+              </a:defRPr>
+            </a:lvl8pPr>
+            <a:lvl9pPr marL="3657600" indent="0" algn="l" defTabSz="914400" rtl="0" eaLnBrk="1" latinLnBrk="0" hangingPunct="1">
+              <a:spcBef>
+                <a:spcPct val="20000"/>
+              </a:spcBef>
+              <a:buClr>
+                <a:schemeClr val="accent1"/>
+              </a:buClr>
+              <a:buFont typeface="Arial" pitchFamily="34" charset="0"/>
+              <a:buNone/>
+              <a:defRPr sz="1400" kern="1200">
+                <a:solidFill>
+                  <a:schemeClr val="tx1">
+                    <a:tint val="75000"/>
+                  </a:schemeClr>
+                </a:solidFill>
+                <a:latin typeface="+mn-lt"/>
+                <a:ea typeface="+mn-ea"/>
+                <a:cs typeface="+mn-cs"/>
+              </a:defRPr>
+            </a:lvl9pPr>
+          </a:lstStyle>
+          <a:p>
+            <a:pPr algn="ctr"/>
+            <a:r>
+              <a:rPr lang="es-ES_tradnl" sz="8000" dirty="0" smtClean="0">
+                <a:ln w="18415" cmpd="sng">
+                  <a:solidFill>
+                    <a:srgbClr val="FFFFFF"/>
+                  </a:solidFill>
+                  <a:prstDash val="solid"/>
+                </a:ln>
+                <a:solidFill>
+                  <a:srgbClr val="FFFFFF"/>
+                </a:solidFill>
+                <a:effectLst>
+                  <a:outerShdw blurRad="63500" dir="3600000" algn="tl" rotWithShape="0">
+                    <a:srgbClr val="000000">
+                      <a:alpha val="70000"/>
+                    </a:srgbClr>
+                  </a:outerShdw>
+                </a:effectLst>
+              </a:rPr>
+              <a:t>Gracias!</a:t>
+            </a:r>
+            <a:endParaRPr lang="en-US" sz="8000" dirty="0" smtClean="0">
+              <a:ln w="18415" cmpd="sng">
+                <a:solidFill>
+                  <a:srgbClr val="FFFFFF"/>
+                </a:solidFill>
+                <a:prstDash val="solid"/>
+              </a:ln>
+              <a:solidFill>
+                <a:srgbClr val="FFFFFF"/>
+              </a:solidFill>
+              <a:effectLst>
+                <a:outerShdw blurRad="63500" dir="3600000" algn="tl" rotWithShape="0">
+                  <a:srgbClr val="000000">
+                    <a:alpha val="70000"/>
+                  </a:srgbClr>
+                </a:outerShdw>
+              </a:effectLst>
+            </a:endParaRPr>
+          </a:p>
+          <a:p>
+            <a:endParaRPr lang="en-US" dirty="0">
+              <a:solidFill>
+                <a:schemeClr val="bg1"/>
+              </a:solidFill>
+            </a:endParaRPr>
+          </a:p>
+        </p:txBody>
+      </p:sp>
+      <p:pic>
+        <p:nvPicPr>
+          <p:cNvPr id="7" name="Picture 6" descr="UOC_Logotipo_EIMT_esp_negro.png"/>
+          <p:cNvPicPr>
+            <a:picLocks noChangeAspect="1"/>
+          </p:cNvPicPr>
+          <p:nvPr/>
+        </p:nvPicPr>
+        <p:blipFill>
+          <a:blip r:embed="rId2" cstate="print">
+            <a:extLst>
+              <a:ext uri="{28A0092B-C50C-407E-A947-70E740481C1C}">
+                <a14:useLocalDpi xmlns:a14="http://schemas.microsoft.com/office/drawing/2010/main" val="0"/>
+              </a:ext>
+            </a:extLst>
+          </a:blip>
+          <a:stretch>
+            <a:fillRect/>
+          </a:stretch>
+        </p:blipFill>
+        <p:spPr>
+          <a:xfrm>
+            <a:off x="5885990" y="4899335"/>
+            <a:ext cx="2450592" cy="1255776"/>
+          </a:xfrm>
+          <a:prstGeom prst="rect">
+            <a:avLst/>
+          </a:prstGeom>
+        </p:spPr>
+      </p:pic>
+      <p:sp>
+        <p:nvSpPr>
+          <p:cNvPr id="10" name="TextBox 9"/>
+          <p:cNvSpPr txBox="1"/>
+          <p:nvPr/>
+        </p:nvSpPr>
+        <p:spPr>
+          <a:xfrm>
+            <a:off x="762000" y="3458956"/>
+            <a:ext cx="7574582" cy="1261884"/>
+          </a:xfrm>
+          <a:prstGeom prst="rect">
+            <a:avLst/>
+          </a:prstGeom>
+          <a:noFill/>
+        </p:spPr>
+        <p:txBody>
+          <a:bodyPr wrap="square" rtlCol="0">
+            <a:spAutoFit/>
+          </a:bodyPr>
+          <a:lstStyle/>
+          <a:p>
+            <a:pPr algn="ctr"/>
+            <a:r>
+              <a:rPr lang="es-ES_tradnl" sz="4000" dirty="0" smtClean="0">
+                <a:latin typeface="+mj-lt"/>
+              </a:rPr>
+              <a:t>Preguntas?</a:t>
+            </a:r>
+          </a:p>
+          <a:p>
+            <a:pPr algn="ctr"/>
+            <a:endParaRPr lang="es-ES_tradnl" dirty="0" smtClean="0"/>
+          </a:p>
+          <a:p>
+            <a:pPr algn="ctr"/>
+            <a:r>
+              <a:rPr lang="es-ES_tradnl" u="sng" dirty="0">
+                <a:hlinkClick r:id="rId3"/>
+              </a:rPr>
+              <a:t>jsanchezmend@uoc.edu</a:t>
+            </a:r>
+            <a:endParaRPr lang="es-ES_tradnl" u="sng" dirty="0"/>
+          </a:p>
+        </p:txBody>
+      </p:sp>
+    </p:spTree>
+    <p:extLst>
+      <p:ext uri="{BB962C8B-B14F-4D97-AF65-F5344CB8AC3E}">
+        <p14:creationId xmlns:p14="http://schemas.microsoft.com/office/powerpoint/2010/main" val="1195186890"/>
+      </p:ext>
+    </p:extLst>
+  </p:cSld>
+  <p:clrMapOvr>
+    <a:masterClrMapping/>
+  </p:clrMapOvr>
+  <p:transition xmlns:p14="http://schemas.microsoft.com/office/powerpoint/2010/main" spd="slow">
+    <p:push dir="u"/>
+  </p:transition>
   <p:timing>
     <p:tnLst>
       <p:par>
@@ -3944,7 +4708,7 @@
           <a:lstStyle/>
           <a:p>
             <a:r>
-              <a:rPr lang="en-US" dirty="0" err="1" smtClean="0"/>
+              <a:rPr lang="en-US" sz="4800" dirty="0" err="1" smtClean="0"/>
               <a:t>Índice</a:t>
             </a:r>
             <a:endParaRPr lang="en-US" dirty="0"/>
@@ -3963,7 +4727,9 @@
         </p:nvSpPr>
         <p:spPr/>
         <p:txBody>
-          <a:bodyPr/>
+          <a:bodyPr>
+            <a:normAutofit fontScale="92500" lnSpcReduction="20000"/>
+          </a:bodyPr>
           <a:lstStyle/>
           <a:p>
             <a:r>
@@ -3980,26 +4746,71 @@
           <a:p>
             <a:r>
               <a:rPr lang="es-ES_tradnl" dirty="0" smtClean="0"/>
-              <a:t>Planificación</a:t>
+              <a:t>Planificación y proceso de desarrollo</a:t>
             </a:r>
           </a:p>
           <a:p>
             <a:r>
               <a:rPr lang="es-ES_tradnl" dirty="0" smtClean="0"/>
-              <a:t>Productos obtenidos</a:t>
-            </a:r>
-          </a:p>
-          <a:p>
+              <a:t>Metodolog</a:t>
+            </a:r>
             <a:r>
               <a:rPr lang="es-ES_tradnl" dirty="0" smtClean="0"/>
-              <a:t>Demo</a:t>
-            </a:r>
-          </a:p>
-          <a:p>
+              <a:t>ía, fases y técnicas de desarrollo</a:t>
+            </a:r>
+          </a:p>
+          <a:p>
+            <a:pPr lvl="1"/>
             <a:r>
               <a:rPr lang="es-ES_tradnl" dirty="0" smtClean="0"/>
-              <a:t>Conclusión</a:t>
-            </a:r>
+              <a:t>Contexto de uso</a:t>
+            </a:r>
+          </a:p>
+          <a:p>
+            <a:pPr lvl="1"/>
+            <a:r>
+              <a:rPr lang="es-ES_tradnl" dirty="0" smtClean="0"/>
+              <a:t>Requisitos</a:t>
+            </a:r>
+          </a:p>
+          <a:p>
+            <a:pPr lvl="1"/>
+            <a:r>
+              <a:rPr lang="es-ES_tradnl" dirty="0" smtClean="0"/>
+              <a:t>Diseño del producto</a:t>
+            </a:r>
+          </a:p>
+          <a:p>
+            <a:pPr lvl="1"/>
+            <a:r>
+              <a:rPr lang="es-ES_tradnl" dirty="0" smtClean="0"/>
+              <a:t>Pruebas</a:t>
+            </a:r>
+            <a:endParaRPr lang="es-ES_tradnl" dirty="0" smtClean="0"/>
+          </a:p>
+          <a:p>
+            <a:r>
+              <a:rPr lang="es-ES_tradnl" dirty="0" smtClean="0"/>
+              <a:t>Demostraci</a:t>
+            </a:r>
+            <a:r>
+              <a:rPr lang="es-ES_tradnl" dirty="0" smtClean="0"/>
+              <a:t>ón</a:t>
+            </a:r>
+          </a:p>
+          <a:p>
+            <a:r>
+              <a:rPr lang="es-ES_tradnl" dirty="0" smtClean="0"/>
+              <a:t>Mejoras</a:t>
+            </a:r>
+            <a:endParaRPr lang="es-ES_tradnl" dirty="0" smtClean="0"/>
+          </a:p>
+          <a:p>
+            <a:r>
+              <a:rPr lang="es-ES_tradnl" dirty="0" smtClean="0"/>
+              <a:t>Conclusiones</a:t>
+            </a:r>
+            <a:endParaRPr lang="es-ES_tradnl" dirty="0" smtClean="0"/>
           </a:p>
         </p:txBody>
       </p:sp>
@@ -4015,6 +4826,631 @@
   </p:clrMapOvr>
   <p:transition xmlns:p14="http://schemas.microsoft.com/office/powerpoint/2010/main" spd="slow">
     <p:push dir="u"/>
+  </p:transition>
+  <p:timing>
+    <p:tnLst>
+      <p:par>
+        <p:cTn xmlns:p14="http://schemas.microsoft.com/office/powerpoint/2010/main" id="1" dur="indefinite" restart="never" nodeType="tmRoot"/>
+      </p:par>
+    </p:tnLst>
+  </p:timing>
+</p:sld>
+</file>
+
+<file path=ppt/slides/slide3.xml><?xml version="1.0" encoding="utf-8"?>
+<p:sld xmlns:a="http://schemas.openxmlformats.org/drawingml/2006/main" xmlns:r="http://schemas.openxmlformats.org/officeDocument/2006/relationships" xmlns:p="http://schemas.openxmlformats.org/presentationml/2006/main">
+  <p:cSld>
+    <p:spTree>
+      <p:nvGrpSpPr>
+        <p:cNvPr id="1" name=""/>
+        <p:cNvGrpSpPr/>
+        <p:nvPr/>
+      </p:nvGrpSpPr>
+      <p:grpSpPr>
+        <a:xfrm>
+          <a:off x="0" y="0"/>
+          <a:ext cx="0" cy="0"/>
+          <a:chOff x="0" y="0"/>
+          <a:chExt cx="0" cy="0"/>
+        </a:xfrm>
+      </p:grpSpPr>
+      <p:sp>
+        <p:nvSpPr>
+          <p:cNvPr id="2" name="Title 1"/>
+          <p:cNvSpPr>
+            <a:spLocks noGrp="1"/>
+          </p:cNvSpPr>
+          <p:nvPr>
+            <p:ph type="title"/>
+          </p:nvPr>
+        </p:nvSpPr>
+        <p:spPr/>
+        <p:txBody>
+          <a:bodyPr/>
+          <a:lstStyle/>
+          <a:p>
+            <a:r>
+              <a:rPr lang="es-ES_tradnl" sz="4800" dirty="0"/>
+              <a:t>Motivación</a:t>
+            </a:r>
+            <a:endParaRPr lang="es-ES_tradnl" dirty="0"/>
+          </a:p>
+        </p:txBody>
+      </p:sp>
+      <p:sp>
+        <p:nvSpPr>
+          <p:cNvPr id="3" name="Content Placeholder 2"/>
+          <p:cNvSpPr>
+            <a:spLocks noGrp="1"/>
+          </p:cNvSpPr>
+          <p:nvPr>
+            <p:ph idx="1"/>
+          </p:nvPr>
+        </p:nvSpPr>
+        <p:spPr/>
+        <p:txBody>
+          <a:bodyPr/>
+          <a:lstStyle/>
+          <a:p>
+            <a:endParaRPr lang="es-ES_tradnl"/>
+          </a:p>
+        </p:txBody>
+      </p:sp>
+    </p:spTree>
+    <p:extLst>
+      <p:ext uri="{BB962C8B-B14F-4D97-AF65-F5344CB8AC3E}">
+        <p14:creationId xmlns:p14="http://schemas.microsoft.com/office/powerpoint/2010/main" val="1419102891"/>
+      </p:ext>
+    </p:extLst>
+  </p:cSld>
+  <p:clrMapOvr>
+    <a:masterClrMapping/>
+  </p:clrMapOvr>
+  <p:transition xmlns:p14="http://schemas.microsoft.com/office/powerpoint/2010/main" spd="slow">
+    <p:push dir="u"/>
+  </p:transition>
+  <p:timing>
+    <p:tnLst>
+      <p:par>
+        <p:cTn xmlns:p14="http://schemas.microsoft.com/office/powerpoint/2010/main" id="1" dur="indefinite" restart="never" nodeType="tmRoot"/>
+      </p:par>
+    </p:tnLst>
+  </p:timing>
+</p:sld>
+</file>
+
+<file path=ppt/slides/slide4.xml><?xml version="1.0" encoding="utf-8"?>
+<p:sld xmlns:a="http://schemas.openxmlformats.org/drawingml/2006/main" xmlns:r="http://schemas.openxmlformats.org/officeDocument/2006/relationships" xmlns:p="http://schemas.openxmlformats.org/presentationml/2006/main">
+  <p:cSld>
+    <p:spTree>
+      <p:nvGrpSpPr>
+        <p:cNvPr id="1" name=""/>
+        <p:cNvGrpSpPr/>
+        <p:nvPr/>
+      </p:nvGrpSpPr>
+      <p:grpSpPr>
+        <a:xfrm>
+          <a:off x="0" y="0"/>
+          <a:ext cx="0" cy="0"/>
+          <a:chOff x="0" y="0"/>
+          <a:chExt cx="0" cy="0"/>
+        </a:xfrm>
+      </p:grpSpPr>
+      <p:sp>
+        <p:nvSpPr>
+          <p:cNvPr id="2" name="Title 1"/>
+          <p:cNvSpPr>
+            <a:spLocks noGrp="1"/>
+          </p:cNvSpPr>
+          <p:nvPr>
+            <p:ph type="title"/>
+          </p:nvPr>
+        </p:nvSpPr>
+        <p:spPr/>
+        <p:txBody>
+          <a:bodyPr/>
+          <a:lstStyle/>
+          <a:p>
+            <a:r>
+              <a:rPr lang="es-ES_tradnl" sz="4800" dirty="0"/>
+              <a:t>Objetivos</a:t>
+            </a:r>
+            <a:endParaRPr lang="es-ES_tradnl" dirty="0"/>
+          </a:p>
+        </p:txBody>
+      </p:sp>
+      <p:sp>
+        <p:nvSpPr>
+          <p:cNvPr id="3" name="Content Placeholder 2"/>
+          <p:cNvSpPr>
+            <a:spLocks noGrp="1"/>
+          </p:cNvSpPr>
+          <p:nvPr>
+            <p:ph idx="1"/>
+          </p:nvPr>
+        </p:nvSpPr>
+        <p:spPr/>
+        <p:txBody>
+          <a:bodyPr/>
+          <a:lstStyle/>
+          <a:p>
+            <a:endParaRPr lang="es-ES_tradnl"/>
+          </a:p>
+        </p:txBody>
+      </p:sp>
+    </p:spTree>
+    <p:extLst>
+      <p:ext uri="{BB962C8B-B14F-4D97-AF65-F5344CB8AC3E}">
+        <p14:creationId xmlns:p14="http://schemas.microsoft.com/office/powerpoint/2010/main" val="2160877241"/>
+      </p:ext>
+    </p:extLst>
+  </p:cSld>
+  <p:clrMapOvr>
+    <a:masterClrMapping/>
+  </p:clrMapOvr>
+  <p:transition xmlns:p14="http://schemas.microsoft.com/office/powerpoint/2010/main" spd="slow">
+    <p:push dir="u"/>
+  </p:transition>
+  <p:timing>
+    <p:tnLst>
+      <p:par>
+        <p:cTn xmlns:p14="http://schemas.microsoft.com/office/powerpoint/2010/main" id="1" dur="indefinite" restart="never" nodeType="tmRoot"/>
+      </p:par>
+    </p:tnLst>
+  </p:timing>
+</p:sld>
+</file>
+
+<file path=ppt/slides/slide5.xml><?xml version="1.0" encoding="utf-8"?>
+<p:sld xmlns:a="http://schemas.openxmlformats.org/drawingml/2006/main" xmlns:r="http://schemas.openxmlformats.org/officeDocument/2006/relationships" xmlns:p="http://schemas.openxmlformats.org/presentationml/2006/main">
+  <p:cSld>
+    <p:spTree>
+      <p:nvGrpSpPr>
+        <p:cNvPr id="1" name=""/>
+        <p:cNvGrpSpPr/>
+        <p:nvPr/>
+      </p:nvGrpSpPr>
+      <p:grpSpPr>
+        <a:xfrm>
+          <a:off x="0" y="0"/>
+          <a:ext cx="0" cy="0"/>
+          <a:chOff x="0" y="0"/>
+          <a:chExt cx="0" cy="0"/>
+        </a:xfrm>
+      </p:grpSpPr>
+      <p:sp>
+        <p:nvSpPr>
+          <p:cNvPr id="2" name="Title 1"/>
+          <p:cNvSpPr>
+            <a:spLocks noGrp="1"/>
+          </p:cNvSpPr>
+          <p:nvPr>
+            <p:ph type="title"/>
+          </p:nvPr>
+        </p:nvSpPr>
+        <p:spPr/>
+        <p:txBody>
+          <a:bodyPr>
+            <a:noAutofit/>
+          </a:bodyPr>
+          <a:lstStyle/>
+          <a:p>
+            <a:r>
+              <a:rPr lang="es-ES_tradnl" sz="4800" dirty="0"/>
+              <a:t>Planificación y proceso de </a:t>
+            </a:r>
+            <a:r>
+              <a:rPr lang="es-ES_tradnl" sz="4800" dirty="0" smtClean="0"/>
+              <a:t>desarrollo</a:t>
+            </a:r>
+            <a:endParaRPr lang="es-ES_tradnl" sz="4800" dirty="0"/>
+          </a:p>
+        </p:txBody>
+      </p:sp>
+      <p:sp>
+        <p:nvSpPr>
+          <p:cNvPr id="3" name="Content Placeholder 2"/>
+          <p:cNvSpPr>
+            <a:spLocks noGrp="1"/>
+          </p:cNvSpPr>
+          <p:nvPr>
+            <p:ph idx="1"/>
+          </p:nvPr>
+        </p:nvSpPr>
+        <p:spPr/>
+        <p:txBody>
+          <a:bodyPr/>
+          <a:lstStyle/>
+          <a:p>
+            <a:endParaRPr lang="es-ES_tradnl"/>
+          </a:p>
+        </p:txBody>
+      </p:sp>
+    </p:spTree>
+    <p:extLst>
+      <p:ext uri="{BB962C8B-B14F-4D97-AF65-F5344CB8AC3E}">
+        <p14:creationId xmlns:p14="http://schemas.microsoft.com/office/powerpoint/2010/main" val="3271144450"/>
+      </p:ext>
+    </p:extLst>
+  </p:cSld>
+  <p:clrMapOvr>
+    <a:masterClrMapping/>
+  </p:clrMapOvr>
+  <p:transition xmlns:p14="http://schemas.microsoft.com/office/powerpoint/2010/main" spd="slow">
+    <p:push dir="u"/>
+  </p:transition>
+  <p:timing>
+    <p:tnLst>
+      <p:par>
+        <p:cTn xmlns:p14="http://schemas.microsoft.com/office/powerpoint/2010/main" id="1" dur="indefinite" restart="never" nodeType="tmRoot"/>
+      </p:par>
+    </p:tnLst>
+  </p:timing>
+</p:sld>
+</file>
+
+<file path=ppt/slides/slide6.xml><?xml version="1.0" encoding="utf-8"?>
+<p:sld xmlns:a="http://schemas.openxmlformats.org/drawingml/2006/main" xmlns:r="http://schemas.openxmlformats.org/officeDocument/2006/relationships" xmlns:p="http://schemas.openxmlformats.org/presentationml/2006/main">
+  <p:cSld>
+    <p:spTree>
+      <p:nvGrpSpPr>
+        <p:cNvPr id="1" name=""/>
+        <p:cNvGrpSpPr/>
+        <p:nvPr/>
+      </p:nvGrpSpPr>
+      <p:grpSpPr>
+        <a:xfrm>
+          <a:off x="0" y="0"/>
+          <a:ext cx="0" cy="0"/>
+          <a:chOff x="0" y="0"/>
+          <a:chExt cx="0" cy="0"/>
+        </a:xfrm>
+      </p:grpSpPr>
+      <p:sp>
+        <p:nvSpPr>
+          <p:cNvPr id="2" name="Title 1"/>
+          <p:cNvSpPr>
+            <a:spLocks noGrp="1"/>
+          </p:cNvSpPr>
+          <p:nvPr>
+            <p:ph type="title"/>
+          </p:nvPr>
+        </p:nvSpPr>
+        <p:spPr/>
+        <p:txBody>
+          <a:bodyPr>
+            <a:noAutofit/>
+          </a:bodyPr>
+          <a:lstStyle/>
+          <a:p>
+            <a:r>
+              <a:rPr lang="es-ES_tradnl" sz="4800" dirty="0"/>
+              <a:t>Metodología</a:t>
+            </a:r>
+            <a:r>
+              <a:rPr lang="es-ES_tradnl" sz="4800" dirty="0"/>
+              <a:t>, fases y técnicas de </a:t>
+            </a:r>
+            <a:r>
+              <a:rPr lang="es-ES_tradnl" sz="4800" dirty="0" smtClean="0"/>
+              <a:t>desarrollo</a:t>
+            </a:r>
+            <a:endParaRPr lang="es-ES_tradnl" sz="4800" dirty="0"/>
+          </a:p>
+        </p:txBody>
+      </p:sp>
+      <p:sp>
+        <p:nvSpPr>
+          <p:cNvPr id="3" name="Content Placeholder 2"/>
+          <p:cNvSpPr>
+            <a:spLocks noGrp="1"/>
+          </p:cNvSpPr>
+          <p:nvPr>
+            <p:ph idx="1"/>
+          </p:nvPr>
+        </p:nvSpPr>
+        <p:spPr/>
+        <p:txBody>
+          <a:bodyPr/>
+          <a:lstStyle/>
+          <a:p>
+            <a:endParaRPr lang="es-ES_tradnl"/>
+          </a:p>
+        </p:txBody>
+      </p:sp>
+    </p:spTree>
+    <p:extLst>
+      <p:ext uri="{BB962C8B-B14F-4D97-AF65-F5344CB8AC3E}">
+        <p14:creationId xmlns:p14="http://schemas.microsoft.com/office/powerpoint/2010/main" val="2128292599"/>
+      </p:ext>
+    </p:extLst>
+  </p:cSld>
+  <p:clrMapOvr>
+    <a:masterClrMapping/>
+  </p:clrMapOvr>
+  <p:transition xmlns:p14="http://schemas.microsoft.com/office/powerpoint/2010/main" spd="slow">
+    <p:push dir="u"/>
+  </p:transition>
+  <p:timing>
+    <p:tnLst>
+      <p:par>
+        <p:cTn xmlns:p14="http://schemas.microsoft.com/office/powerpoint/2010/main" id="1" dur="indefinite" restart="never" nodeType="tmRoot"/>
+      </p:par>
+    </p:tnLst>
+  </p:timing>
+</p:sld>
+</file>
+
+<file path=ppt/slides/slide7.xml><?xml version="1.0" encoding="utf-8"?>
+<p:sld xmlns:a="http://schemas.openxmlformats.org/drawingml/2006/main" xmlns:r="http://schemas.openxmlformats.org/officeDocument/2006/relationships" xmlns:p="http://schemas.openxmlformats.org/presentationml/2006/main">
+  <p:cSld>
+    <p:spTree>
+      <p:nvGrpSpPr>
+        <p:cNvPr id="1" name=""/>
+        <p:cNvGrpSpPr/>
+        <p:nvPr/>
+      </p:nvGrpSpPr>
+      <p:grpSpPr>
+        <a:xfrm>
+          <a:off x="0" y="0"/>
+          <a:ext cx="0" cy="0"/>
+          <a:chOff x="0" y="0"/>
+          <a:chExt cx="0" cy="0"/>
+        </a:xfrm>
+      </p:grpSpPr>
+      <p:sp>
+        <p:nvSpPr>
+          <p:cNvPr id="2" name="Title 1"/>
+          <p:cNvSpPr>
+            <a:spLocks noGrp="1"/>
+          </p:cNvSpPr>
+          <p:nvPr>
+            <p:ph type="title"/>
+          </p:nvPr>
+        </p:nvSpPr>
+        <p:spPr/>
+        <p:txBody>
+          <a:bodyPr>
+            <a:normAutofit/>
+          </a:bodyPr>
+          <a:lstStyle/>
+          <a:p>
+            <a:pPr lvl="1" algn="l" rtl="0">
+              <a:spcBef>
+                <a:spcPct val="0"/>
+              </a:spcBef>
+            </a:pPr>
+            <a:r>
+              <a:rPr lang="es-ES_tradnl" sz="4800" dirty="0">
+                <a:latin typeface="+mj-lt"/>
+              </a:rPr>
+              <a:t>Contexto de </a:t>
+            </a:r>
+            <a:r>
+              <a:rPr lang="es-ES_tradnl" sz="4800" dirty="0" smtClean="0">
+                <a:latin typeface="+mj-lt"/>
+              </a:rPr>
+              <a:t>uso</a:t>
+            </a:r>
+            <a:endParaRPr lang="es-ES_tradnl" sz="4800" dirty="0">
+              <a:latin typeface="+mj-lt"/>
+            </a:endParaRPr>
+          </a:p>
+        </p:txBody>
+      </p:sp>
+      <p:sp>
+        <p:nvSpPr>
+          <p:cNvPr id="3" name="Content Placeholder 2"/>
+          <p:cNvSpPr>
+            <a:spLocks noGrp="1"/>
+          </p:cNvSpPr>
+          <p:nvPr>
+            <p:ph idx="1"/>
+          </p:nvPr>
+        </p:nvSpPr>
+        <p:spPr/>
+        <p:txBody>
+          <a:bodyPr/>
+          <a:lstStyle/>
+          <a:p>
+            <a:endParaRPr lang="es-ES_tradnl"/>
+          </a:p>
+        </p:txBody>
+      </p:sp>
+    </p:spTree>
+    <p:extLst>
+      <p:ext uri="{BB962C8B-B14F-4D97-AF65-F5344CB8AC3E}">
+        <p14:creationId xmlns:p14="http://schemas.microsoft.com/office/powerpoint/2010/main" val="3257323170"/>
+      </p:ext>
+    </p:extLst>
+  </p:cSld>
+  <p:clrMapOvr>
+    <a:masterClrMapping/>
+  </p:clrMapOvr>
+  <p:transition xmlns:p14="http://schemas.microsoft.com/office/powerpoint/2010/main" spd="slow">
+    <p:push/>
+  </p:transition>
+  <p:timing>
+    <p:tnLst>
+      <p:par>
+        <p:cTn xmlns:p14="http://schemas.microsoft.com/office/powerpoint/2010/main" id="1" dur="indefinite" restart="never" nodeType="tmRoot"/>
+      </p:par>
+    </p:tnLst>
+  </p:timing>
+</p:sld>
+</file>
+
+<file path=ppt/slides/slide8.xml><?xml version="1.0" encoding="utf-8"?>
+<p:sld xmlns:a="http://schemas.openxmlformats.org/drawingml/2006/main" xmlns:r="http://schemas.openxmlformats.org/officeDocument/2006/relationships" xmlns:p="http://schemas.openxmlformats.org/presentationml/2006/main">
+  <p:cSld>
+    <p:spTree>
+      <p:nvGrpSpPr>
+        <p:cNvPr id="1" name=""/>
+        <p:cNvGrpSpPr/>
+        <p:nvPr/>
+      </p:nvGrpSpPr>
+      <p:grpSpPr>
+        <a:xfrm>
+          <a:off x="0" y="0"/>
+          <a:ext cx="0" cy="0"/>
+          <a:chOff x="0" y="0"/>
+          <a:chExt cx="0" cy="0"/>
+        </a:xfrm>
+      </p:grpSpPr>
+      <p:sp>
+        <p:nvSpPr>
+          <p:cNvPr id="2" name="Title 1"/>
+          <p:cNvSpPr>
+            <a:spLocks noGrp="1"/>
+          </p:cNvSpPr>
+          <p:nvPr>
+            <p:ph type="title"/>
+          </p:nvPr>
+        </p:nvSpPr>
+        <p:spPr/>
+        <p:txBody>
+          <a:bodyPr>
+            <a:normAutofit/>
+          </a:bodyPr>
+          <a:lstStyle/>
+          <a:p>
+            <a:r>
+              <a:rPr lang="es-ES_tradnl" sz="4800" dirty="0"/>
+              <a:t>Requisitos</a:t>
+            </a:r>
+          </a:p>
+        </p:txBody>
+      </p:sp>
+      <p:sp>
+        <p:nvSpPr>
+          <p:cNvPr id="3" name="Content Placeholder 2"/>
+          <p:cNvSpPr>
+            <a:spLocks noGrp="1"/>
+          </p:cNvSpPr>
+          <p:nvPr>
+            <p:ph idx="1"/>
+          </p:nvPr>
+        </p:nvSpPr>
+        <p:spPr/>
+        <p:txBody>
+          <a:bodyPr/>
+          <a:lstStyle/>
+          <a:p>
+            <a:endParaRPr lang="es-ES_tradnl"/>
+          </a:p>
+        </p:txBody>
+      </p:sp>
+    </p:spTree>
+    <p:extLst>
+      <p:ext uri="{BB962C8B-B14F-4D97-AF65-F5344CB8AC3E}">
+        <p14:creationId xmlns:p14="http://schemas.microsoft.com/office/powerpoint/2010/main" val="1452868431"/>
+      </p:ext>
+    </p:extLst>
+  </p:cSld>
+  <p:clrMapOvr>
+    <a:masterClrMapping/>
+  </p:clrMapOvr>
+  <p:transition xmlns:p14="http://schemas.microsoft.com/office/powerpoint/2010/main" spd="slow">
+    <p:push/>
+  </p:transition>
+  <p:timing>
+    <p:tnLst>
+      <p:par>
+        <p:cTn xmlns:p14="http://schemas.microsoft.com/office/powerpoint/2010/main" id="1" dur="indefinite" restart="never" nodeType="tmRoot"/>
+      </p:par>
+    </p:tnLst>
+  </p:timing>
+</p:sld>
+</file>
+
+<file path=ppt/slides/slide9.xml><?xml version="1.0" encoding="utf-8"?>
+<p:sld xmlns:a="http://schemas.openxmlformats.org/drawingml/2006/main" xmlns:r="http://schemas.openxmlformats.org/officeDocument/2006/relationships" xmlns:p="http://schemas.openxmlformats.org/presentationml/2006/main">
+  <p:cSld>
+    <p:spTree>
+      <p:nvGrpSpPr>
+        <p:cNvPr id="1" name=""/>
+        <p:cNvGrpSpPr/>
+        <p:nvPr/>
+      </p:nvGrpSpPr>
+      <p:grpSpPr>
+        <a:xfrm>
+          <a:off x="0" y="0"/>
+          <a:ext cx="0" cy="0"/>
+          <a:chOff x="0" y="0"/>
+          <a:chExt cx="0" cy="0"/>
+        </a:xfrm>
+      </p:grpSpPr>
+      <p:sp>
+        <p:nvSpPr>
+          <p:cNvPr id="2" name="Title 1"/>
+          <p:cNvSpPr>
+            <a:spLocks noGrp="1"/>
+          </p:cNvSpPr>
+          <p:nvPr>
+            <p:ph type="title"/>
+          </p:nvPr>
+        </p:nvSpPr>
+        <p:spPr/>
+        <p:txBody>
+          <a:bodyPr>
+            <a:normAutofit/>
+          </a:bodyPr>
+          <a:lstStyle/>
+          <a:p>
+            <a:pPr lvl="1" algn="l" rtl="0">
+              <a:spcBef>
+                <a:spcPct val="0"/>
+              </a:spcBef>
+            </a:pPr>
+            <a:r>
+              <a:rPr lang="es-ES_tradnl" sz="4800" dirty="0">
+                <a:latin typeface="+mj-lt"/>
+              </a:rPr>
+              <a:t>Diseño del </a:t>
+            </a:r>
+            <a:r>
+              <a:rPr lang="es-ES_tradnl" sz="4800" dirty="0" smtClean="0">
+                <a:latin typeface="+mj-lt"/>
+              </a:rPr>
+              <a:t>producto</a:t>
+            </a:r>
+            <a:endParaRPr lang="es-ES_tradnl" sz="4800" dirty="0">
+              <a:latin typeface="+mj-lt"/>
+            </a:endParaRPr>
+          </a:p>
+        </p:txBody>
+      </p:sp>
+      <p:sp>
+        <p:nvSpPr>
+          <p:cNvPr id="3" name="Content Placeholder 2"/>
+          <p:cNvSpPr>
+            <a:spLocks noGrp="1"/>
+          </p:cNvSpPr>
+          <p:nvPr>
+            <p:ph idx="1"/>
+          </p:nvPr>
+        </p:nvSpPr>
+        <p:spPr/>
+        <p:txBody>
+          <a:bodyPr/>
+          <a:lstStyle/>
+          <a:p>
+            <a:endParaRPr lang="es-ES_tradnl"/>
+          </a:p>
+        </p:txBody>
+      </p:sp>
+    </p:spTree>
+    <p:extLst>
+      <p:ext uri="{BB962C8B-B14F-4D97-AF65-F5344CB8AC3E}">
+        <p14:creationId xmlns:p14="http://schemas.microsoft.com/office/powerpoint/2010/main" val="2578943701"/>
+      </p:ext>
+    </p:extLst>
+  </p:cSld>
+  <p:clrMapOvr>
+    <a:masterClrMapping/>
+  </p:clrMapOvr>
+  <p:transition xmlns:p14="http://schemas.microsoft.com/office/powerpoint/2010/main" spd="slow">
+    <p:push/>
   </p:transition>
   <p:timing>
     <p:tnLst>

--- a/Presentacion/Presentation.pptx
+++ b/Presentacion/Presentation.pptx
@@ -4,6 +4,9 @@
   <p:sldMasterIdLst>
     <p:sldMasterId id="2147483660" r:id="rId1"/>
   </p:sldMasterIdLst>
+  <p:notesMasterIdLst>
+    <p:notesMasterId r:id="rId16"/>
+  </p:notesMasterIdLst>
   <p:sldIdLst>
     <p:sldId id="256" r:id="rId2"/>
     <p:sldId id="257" r:id="rId3"/>
@@ -118,6 +121,440 @@
     </a:lvl9pPr>
   </p:defaultTextStyle>
 </p:presentation>
+</file>
+
+<file path=ppt/notesMasters/notesMaster1.xml><?xml version="1.0" encoding="utf-8"?>
+<p:notesMaster xmlns:a="http://schemas.openxmlformats.org/drawingml/2006/main" xmlns:r="http://schemas.openxmlformats.org/officeDocument/2006/relationships" xmlns:p="http://schemas.openxmlformats.org/presentationml/2006/main">
+  <p:cSld>
+    <p:bg>
+      <p:bgRef idx="1001">
+        <a:schemeClr val="bg1"/>
+      </p:bgRef>
+    </p:bg>
+    <p:spTree>
+      <p:nvGrpSpPr>
+        <p:cNvPr id="1" name=""/>
+        <p:cNvGrpSpPr/>
+        <p:nvPr/>
+      </p:nvGrpSpPr>
+      <p:grpSpPr>
+        <a:xfrm>
+          <a:off x="0" y="0"/>
+          <a:ext cx="0" cy="0"/>
+          <a:chOff x="0" y="0"/>
+          <a:chExt cx="0" cy="0"/>
+        </a:xfrm>
+      </p:grpSpPr>
+      <p:sp>
+        <p:nvSpPr>
+          <p:cNvPr id="2" name="Header Placeholder 1"/>
+          <p:cNvSpPr>
+            <a:spLocks noGrp="1"/>
+          </p:cNvSpPr>
+          <p:nvPr>
+            <p:ph type="hdr" sz="quarter"/>
+          </p:nvPr>
+        </p:nvSpPr>
+        <p:spPr>
+          <a:xfrm>
+            <a:off x="0" y="0"/>
+            <a:ext cx="2971800" cy="457200"/>
+          </a:xfrm>
+          <a:prstGeom prst="rect">
+            <a:avLst/>
+          </a:prstGeom>
+        </p:spPr>
+        <p:txBody>
+          <a:bodyPr vert="horz" lIns="91440" tIns="45720" rIns="91440" bIns="45720" rtlCol="0"/>
+          <a:lstStyle>
+            <a:lvl1pPr algn="l">
+              <a:defRPr sz="1200"/>
+            </a:lvl1pPr>
+          </a:lstStyle>
+          <a:p>
+            <a:endParaRPr lang="es-ES_tradnl"/>
+          </a:p>
+        </p:txBody>
+      </p:sp>
+      <p:sp>
+        <p:nvSpPr>
+          <p:cNvPr id="3" name="Date Placeholder 2"/>
+          <p:cNvSpPr>
+            <a:spLocks noGrp="1"/>
+          </p:cNvSpPr>
+          <p:nvPr>
+            <p:ph type="dt" idx="1"/>
+          </p:nvPr>
+        </p:nvSpPr>
+        <p:spPr>
+          <a:xfrm>
+            <a:off x="3884613" y="0"/>
+            <a:ext cx="2971800" cy="457200"/>
+          </a:xfrm>
+          <a:prstGeom prst="rect">
+            <a:avLst/>
+          </a:prstGeom>
+        </p:spPr>
+        <p:txBody>
+          <a:bodyPr vert="horz" lIns="91440" tIns="45720" rIns="91440" bIns="45720" rtlCol="0"/>
+          <a:lstStyle>
+            <a:lvl1pPr algn="r">
+              <a:defRPr sz="1200"/>
+            </a:lvl1pPr>
+          </a:lstStyle>
+          <a:p>
+            <a:fld id="{20EA95EB-2386-5647-9CC3-487B0BEEF73A}" type="datetimeFigureOut">
+              <a:rPr lang="en-US" smtClean="0"/>
+              <a:t>9/6/18</a:t>
+            </a:fld>
+            <a:endParaRPr lang="es-ES_tradnl"/>
+          </a:p>
+        </p:txBody>
+      </p:sp>
+      <p:sp>
+        <p:nvSpPr>
+          <p:cNvPr id="4" name="Slide Image Placeholder 3"/>
+          <p:cNvSpPr>
+            <a:spLocks noGrp="1" noRot="1" noChangeAspect="1"/>
+          </p:cNvSpPr>
+          <p:nvPr>
+            <p:ph type="sldImg" idx="2"/>
+          </p:nvPr>
+        </p:nvSpPr>
+        <p:spPr>
+          <a:xfrm>
+            <a:off x="1143000" y="685800"/>
+            <a:ext cx="4572000" cy="3429000"/>
+          </a:xfrm>
+          <a:prstGeom prst="rect">
+            <a:avLst/>
+          </a:prstGeom>
+          <a:noFill/>
+          <a:ln w="12700">
+            <a:solidFill>
+              <a:prstClr val="black"/>
+            </a:solidFill>
+          </a:ln>
+        </p:spPr>
+        <p:txBody>
+          <a:bodyPr vert="horz" lIns="91440" tIns="45720" rIns="91440" bIns="45720" rtlCol="0" anchor="ctr"/>
+          <a:lstStyle/>
+          <a:p>
+            <a:endParaRPr lang="es-ES_tradnl"/>
+          </a:p>
+        </p:txBody>
+      </p:sp>
+      <p:sp>
+        <p:nvSpPr>
+          <p:cNvPr id="5" name="Notes Placeholder 4"/>
+          <p:cNvSpPr>
+            <a:spLocks noGrp="1"/>
+          </p:cNvSpPr>
+          <p:nvPr>
+            <p:ph type="body" sz="quarter" idx="3"/>
+          </p:nvPr>
+        </p:nvSpPr>
+        <p:spPr>
+          <a:xfrm>
+            <a:off x="685800" y="4343400"/>
+            <a:ext cx="5486400" cy="4114800"/>
+          </a:xfrm>
+          <a:prstGeom prst="rect">
+            <a:avLst/>
+          </a:prstGeom>
+        </p:spPr>
+        <p:txBody>
+          <a:bodyPr vert="horz" lIns="91440" tIns="45720" rIns="91440" bIns="45720" rtlCol="0"/>
+          <a:lstStyle/>
+          <a:p>
+            <a:pPr lvl="0"/>
+            <a:r>
+              <a:rPr lang="es-ES_tradnl" smtClean="0"/>
+              <a:t>Click to edit Master text styles</a:t>
+            </a:r>
+          </a:p>
+          <a:p>
+            <a:pPr lvl="1"/>
+            <a:r>
+              <a:rPr lang="es-ES_tradnl" smtClean="0"/>
+              <a:t>Second level</a:t>
+            </a:r>
+          </a:p>
+          <a:p>
+            <a:pPr lvl="2"/>
+            <a:r>
+              <a:rPr lang="es-ES_tradnl" smtClean="0"/>
+              <a:t>Third level</a:t>
+            </a:r>
+          </a:p>
+          <a:p>
+            <a:pPr lvl="3"/>
+            <a:r>
+              <a:rPr lang="es-ES_tradnl" smtClean="0"/>
+              <a:t>Fourth level</a:t>
+            </a:r>
+          </a:p>
+          <a:p>
+            <a:pPr lvl="4"/>
+            <a:r>
+              <a:rPr lang="es-ES_tradnl" smtClean="0"/>
+              <a:t>Fifth level</a:t>
+            </a:r>
+            <a:endParaRPr lang="es-ES_tradnl"/>
+          </a:p>
+        </p:txBody>
+      </p:sp>
+      <p:sp>
+        <p:nvSpPr>
+          <p:cNvPr id="6" name="Footer Placeholder 5"/>
+          <p:cNvSpPr>
+            <a:spLocks noGrp="1"/>
+          </p:cNvSpPr>
+          <p:nvPr>
+            <p:ph type="ftr" sz="quarter" idx="4"/>
+          </p:nvPr>
+        </p:nvSpPr>
+        <p:spPr>
+          <a:xfrm>
+            <a:off x="0" y="8685213"/>
+            <a:ext cx="2971800" cy="457200"/>
+          </a:xfrm>
+          <a:prstGeom prst="rect">
+            <a:avLst/>
+          </a:prstGeom>
+        </p:spPr>
+        <p:txBody>
+          <a:bodyPr vert="horz" lIns="91440" tIns="45720" rIns="91440" bIns="45720" rtlCol="0" anchor="b"/>
+          <a:lstStyle>
+            <a:lvl1pPr algn="l">
+              <a:defRPr sz="1200"/>
+            </a:lvl1pPr>
+          </a:lstStyle>
+          <a:p>
+            <a:endParaRPr lang="es-ES_tradnl"/>
+          </a:p>
+        </p:txBody>
+      </p:sp>
+      <p:sp>
+        <p:nvSpPr>
+          <p:cNvPr id="7" name="Slide Number Placeholder 6"/>
+          <p:cNvSpPr>
+            <a:spLocks noGrp="1"/>
+          </p:cNvSpPr>
+          <p:nvPr>
+            <p:ph type="sldNum" sz="quarter" idx="5"/>
+          </p:nvPr>
+        </p:nvSpPr>
+        <p:spPr>
+          <a:xfrm>
+            <a:off x="3884613" y="8685213"/>
+            <a:ext cx="2971800" cy="457200"/>
+          </a:xfrm>
+          <a:prstGeom prst="rect">
+            <a:avLst/>
+          </a:prstGeom>
+        </p:spPr>
+        <p:txBody>
+          <a:bodyPr vert="horz" lIns="91440" tIns="45720" rIns="91440" bIns="45720" rtlCol="0" anchor="b"/>
+          <a:lstStyle>
+            <a:lvl1pPr algn="r">
+              <a:defRPr sz="1200"/>
+            </a:lvl1pPr>
+          </a:lstStyle>
+          <a:p>
+            <a:fld id="{BB35F957-F1B7-534D-AD00-FF725272E3B2}" type="slidenum">
+              <a:rPr lang="es-ES_tradnl" smtClean="0"/>
+              <a:t>‹#›</a:t>
+            </a:fld>
+            <a:endParaRPr lang="es-ES_tradnl"/>
+          </a:p>
+        </p:txBody>
+      </p:sp>
+    </p:spTree>
+    <p:extLst>
+      <p:ext uri="{BB962C8B-B14F-4D97-AF65-F5344CB8AC3E}">
+        <p14:creationId xmlns:p14="http://schemas.microsoft.com/office/powerpoint/2010/main" val="917364003"/>
+      </p:ext>
+    </p:extLst>
+  </p:cSld>
+  <p:clrMap bg1="lt1" tx1="dk1" bg2="lt2" tx2="dk2" accent1="accent1" accent2="accent2" accent3="accent3" accent4="accent4" accent5="accent5" accent6="accent6" hlink="hlink" folHlink="folHlink"/>
+  <p:notesStyle>
+    <a:lvl1pPr marL="0" algn="l" defTabSz="457200" rtl="0" eaLnBrk="1" latinLnBrk="0" hangingPunct="1">
+      <a:defRPr sz="1200" kern="1200">
+        <a:solidFill>
+          <a:schemeClr val="tx1"/>
+        </a:solidFill>
+        <a:latin typeface="+mn-lt"/>
+        <a:ea typeface="+mn-ea"/>
+        <a:cs typeface="+mn-cs"/>
+      </a:defRPr>
+    </a:lvl1pPr>
+    <a:lvl2pPr marL="457200" algn="l" defTabSz="457200" rtl="0" eaLnBrk="1" latinLnBrk="0" hangingPunct="1">
+      <a:defRPr sz="1200" kern="1200">
+        <a:solidFill>
+          <a:schemeClr val="tx1"/>
+        </a:solidFill>
+        <a:latin typeface="+mn-lt"/>
+        <a:ea typeface="+mn-ea"/>
+        <a:cs typeface="+mn-cs"/>
+      </a:defRPr>
+    </a:lvl2pPr>
+    <a:lvl3pPr marL="914400" algn="l" defTabSz="457200" rtl="0" eaLnBrk="1" latinLnBrk="0" hangingPunct="1">
+      <a:defRPr sz="1200" kern="1200">
+        <a:solidFill>
+          <a:schemeClr val="tx1"/>
+        </a:solidFill>
+        <a:latin typeface="+mn-lt"/>
+        <a:ea typeface="+mn-ea"/>
+        <a:cs typeface="+mn-cs"/>
+      </a:defRPr>
+    </a:lvl3pPr>
+    <a:lvl4pPr marL="1371600" algn="l" defTabSz="457200" rtl="0" eaLnBrk="1" latinLnBrk="0" hangingPunct="1">
+      <a:defRPr sz="1200" kern="1200">
+        <a:solidFill>
+          <a:schemeClr val="tx1"/>
+        </a:solidFill>
+        <a:latin typeface="+mn-lt"/>
+        <a:ea typeface="+mn-ea"/>
+        <a:cs typeface="+mn-cs"/>
+      </a:defRPr>
+    </a:lvl4pPr>
+    <a:lvl5pPr marL="1828800" algn="l" defTabSz="457200" rtl="0" eaLnBrk="1" latinLnBrk="0" hangingPunct="1">
+      <a:defRPr sz="1200" kern="1200">
+        <a:solidFill>
+          <a:schemeClr val="tx1"/>
+        </a:solidFill>
+        <a:latin typeface="+mn-lt"/>
+        <a:ea typeface="+mn-ea"/>
+        <a:cs typeface="+mn-cs"/>
+      </a:defRPr>
+    </a:lvl5pPr>
+    <a:lvl6pPr marL="2286000" algn="l" defTabSz="457200" rtl="0" eaLnBrk="1" latinLnBrk="0" hangingPunct="1">
+      <a:defRPr sz="1200" kern="1200">
+        <a:solidFill>
+          <a:schemeClr val="tx1"/>
+        </a:solidFill>
+        <a:latin typeface="+mn-lt"/>
+        <a:ea typeface="+mn-ea"/>
+        <a:cs typeface="+mn-cs"/>
+      </a:defRPr>
+    </a:lvl6pPr>
+    <a:lvl7pPr marL="2743200" algn="l" defTabSz="457200" rtl="0" eaLnBrk="1" latinLnBrk="0" hangingPunct="1">
+      <a:defRPr sz="1200" kern="1200">
+        <a:solidFill>
+          <a:schemeClr val="tx1"/>
+        </a:solidFill>
+        <a:latin typeface="+mn-lt"/>
+        <a:ea typeface="+mn-ea"/>
+        <a:cs typeface="+mn-cs"/>
+      </a:defRPr>
+    </a:lvl7pPr>
+    <a:lvl8pPr marL="3200400" algn="l" defTabSz="457200" rtl="0" eaLnBrk="1" latinLnBrk="0" hangingPunct="1">
+      <a:defRPr sz="1200" kern="1200">
+        <a:solidFill>
+          <a:schemeClr val="tx1"/>
+        </a:solidFill>
+        <a:latin typeface="+mn-lt"/>
+        <a:ea typeface="+mn-ea"/>
+        <a:cs typeface="+mn-cs"/>
+      </a:defRPr>
+    </a:lvl8pPr>
+    <a:lvl9pPr marL="3657600" algn="l" defTabSz="457200" rtl="0" eaLnBrk="1" latinLnBrk="0" hangingPunct="1">
+      <a:defRPr sz="1200" kern="1200">
+        <a:solidFill>
+          <a:schemeClr val="tx1"/>
+        </a:solidFill>
+        <a:latin typeface="+mn-lt"/>
+        <a:ea typeface="+mn-ea"/>
+        <a:cs typeface="+mn-cs"/>
+      </a:defRPr>
+    </a:lvl9pPr>
+  </p:notesStyle>
+</p:notesMaster>
+</file>
+
+<file path=ppt/notesSlides/notesSlide1.xml><?xml version="1.0" encoding="utf-8"?>
+<p:notes xmlns:a="http://schemas.openxmlformats.org/drawingml/2006/main" xmlns:r="http://schemas.openxmlformats.org/officeDocument/2006/relationships" xmlns:p="http://schemas.openxmlformats.org/presentationml/2006/main">
+  <p:cSld>
+    <p:spTree>
+      <p:nvGrpSpPr>
+        <p:cNvPr id="1" name=""/>
+        <p:cNvGrpSpPr/>
+        <p:nvPr/>
+      </p:nvGrpSpPr>
+      <p:grpSpPr>
+        <a:xfrm>
+          <a:off x="0" y="0"/>
+          <a:ext cx="0" cy="0"/>
+          <a:chOff x="0" y="0"/>
+          <a:chExt cx="0" cy="0"/>
+        </a:xfrm>
+      </p:grpSpPr>
+      <p:sp>
+        <p:nvSpPr>
+          <p:cNvPr id="2" name="Slide Image Placeholder 1"/>
+          <p:cNvSpPr>
+            <a:spLocks noGrp="1" noRot="1" noChangeAspect="1"/>
+          </p:cNvSpPr>
+          <p:nvPr>
+            <p:ph type="sldImg"/>
+          </p:nvPr>
+        </p:nvSpPr>
+        <p:spPr/>
+      </p:sp>
+      <p:sp>
+        <p:nvSpPr>
+          <p:cNvPr id="3" name="Notes Placeholder 2"/>
+          <p:cNvSpPr>
+            <a:spLocks noGrp="1"/>
+          </p:cNvSpPr>
+          <p:nvPr>
+            <p:ph type="body" idx="1"/>
+          </p:nvPr>
+        </p:nvSpPr>
+        <p:spPr/>
+        <p:txBody>
+          <a:bodyPr/>
+          <a:lstStyle/>
+          <a:p>
+            <a:endParaRPr lang="es-ES_tradnl" dirty="0"/>
+          </a:p>
+        </p:txBody>
+      </p:sp>
+      <p:sp>
+        <p:nvSpPr>
+          <p:cNvPr id="4" name="Slide Number Placeholder 3"/>
+          <p:cNvSpPr>
+            <a:spLocks noGrp="1"/>
+          </p:cNvSpPr>
+          <p:nvPr>
+            <p:ph type="sldNum" sz="quarter" idx="10"/>
+          </p:nvPr>
+        </p:nvSpPr>
+        <p:spPr/>
+        <p:txBody>
+          <a:bodyPr/>
+          <a:lstStyle/>
+          <a:p>
+            <a:fld id="{BB35F957-F1B7-534D-AD00-FF725272E3B2}" type="slidenum">
+              <a:rPr lang="es-ES_tradnl" smtClean="0"/>
+              <a:t>14</a:t>
+            </a:fld>
+            <a:endParaRPr lang="es-ES_tradnl"/>
+          </a:p>
+        </p:txBody>
+      </p:sp>
+    </p:spTree>
+    <p:extLst>
+      <p:ext uri="{BB962C8B-B14F-4D97-AF65-F5344CB8AC3E}">
+        <p14:creationId xmlns:p14="http://schemas.microsoft.com/office/powerpoint/2010/main" val="3624375827"/>
+      </p:ext>
+    </p:extLst>
+  </p:cSld>
+  <p:clrMapOvr>
+    <a:masterClrMapping/>
+  </p:clrMapOvr>
+</p:notes>
 </file>
 
 <file path=ppt/slideLayouts/slideLayout1.xml><?xml version="1.0" encoding="utf-8"?>
@@ -3609,6 +4046,27 @@
           <a:lstStyle/>
           <a:p>
             <a:r>
+              <a:rPr lang="en-US" sz="6000" dirty="0" err="1" smtClean="0">
+                <a:ln w="18415" cmpd="sng">
+                  <a:solidFill>
+                    <a:srgbClr val="FFFFFF"/>
+                  </a:solidFill>
+                  <a:prstDash val="solid"/>
+                </a:ln>
+                <a:solidFill>
+                  <a:srgbClr val="FFFFFF"/>
+                </a:solidFill>
+                <a:effectLst>
+                  <a:outerShdw blurRad="63500" dir="3600000" algn="tl" rotWithShape="0">
+                    <a:srgbClr val="000000">
+                      <a:alpha val="70000"/>
+                    </a:srgbClr>
+                  </a:outerShdw>
+                </a:effectLst>
+              </a:rPr>
+              <a:t>YouTubeCrawlerTool</a:t>
+            </a:r>
+            <a:r>
               <a:rPr lang="en-US" sz="6000" dirty="0" smtClean="0">
                 <a:ln w="18415" cmpd="sng">
                   <a:solidFill>
@@ -3627,7 +4085,7 @@
                   </a:outerShdw>
                 </a:effectLst>
               </a:rPr>
-              <a:t>YouTubeCrawlerTool:</a:t>
+              <a:t>:</a:t>
             </a:r>
             <a:endParaRPr lang="en-US" sz="6000" dirty="0">
               <a:ln w="18415" cmpd="sng">
@@ -4035,6 +4493,54 @@
           </a:p>
         </p:txBody>
       </p:sp>
+      <p:sp>
+        <p:nvSpPr>
+          <p:cNvPr id="4" name="TextBox 3"/>
+          <p:cNvSpPr txBox="1"/>
+          <p:nvPr/>
+        </p:nvSpPr>
+        <p:spPr>
+          <a:xfrm>
+            <a:off x="6574837" y="9407"/>
+            <a:ext cx="1730963" cy="307777"/>
+          </a:xfrm>
+          <a:prstGeom prst="rect">
+            <a:avLst/>
+          </a:prstGeom>
+          <a:noFill/>
+        </p:spPr>
+        <p:txBody>
+          <a:bodyPr wrap="square" rtlCol="0">
+            <a:spAutoFit/>
+          </a:bodyPr>
+          <a:lstStyle/>
+          <a:p>
+            <a:r>
+              <a:rPr lang="en-US" sz="1400" dirty="0" err="1" smtClean="0">
+                <a:ln w="18415" cmpd="sng">
+                  <a:solidFill>
+                    <a:srgbClr val="FFFFFF"/>
+                  </a:solidFill>
+                  <a:prstDash val="solid"/>
+                </a:ln>
+                <a:solidFill>
+                  <a:srgbClr val="FFFFFF"/>
+                </a:solidFill>
+                <a:effectLst>
+                  <a:outerShdw blurRad="63500" dir="3600000" algn="tl" rotWithShape="0">
+                    <a:srgbClr val="000000">
+                      <a:alpha val="70000"/>
+                    </a:srgbClr>
+                  </a:outerShdw>
+                </a:effectLst>
+                <a:latin typeface="+mj-lt"/>
+              </a:rPr>
+              <a:t>YouTubeCrawlerTool</a:t>
+            </a:r>
+            <a:endParaRPr lang="es-ES_tradnl" dirty="0"/>
+          </a:p>
+        </p:txBody>
+      </p:sp>
     </p:spTree>
     <p:extLst>
       <p:ext uri="{BB962C8B-B14F-4D97-AF65-F5344CB8AC3E}">
@@ -4118,6 +4624,54 @@
           </a:p>
         </p:txBody>
       </p:sp>
+      <p:sp>
+        <p:nvSpPr>
+          <p:cNvPr id="4" name="TextBox 3"/>
+          <p:cNvSpPr txBox="1"/>
+          <p:nvPr/>
+        </p:nvSpPr>
+        <p:spPr>
+          <a:xfrm>
+            <a:off x="6574837" y="9407"/>
+            <a:ext cx="1730963" cy="307777"/>
+          </a:xfrm>
+          <a:prstGeom prst="rect">
+            <a:avLst/>
+          </a:prstGeom>
+          <a:noFill/>
+        </p:spPr>
+        <p:txBody>
+          <a:bodyPr wrap="square" rtlCol="0">
+            <a:spAutoFit/>
+          </a:bodyPr>
+          <a:lstStyle/>
+          <a:p>
+            <a:r>
+              <a:rPr lang="en-US" sz="1400" dirty="0" err="1" smtClean="0">
+                <a:ln w="18415" cmpd="sng">
+                  <a:solidFill>
+                    <a:srgbClr val="FFFFFF"/>
+                  </a:solidFill>
+                  <a:prstDash val="solid"/>
+                </a:ln>
+                <a:solidFill>
+                  <a:srgbClr val="FFFFFF"/>
+                </a:solidFill>
+                <a:effectLst>
+                  <a:outerShdw blurRad="63500" dir="3600000" algn="tl" rotWithShape="0">
+                    <a:srgbClr val="000000">
+                      <a:alpha val="70000"/>
+                    </a:srgbClr>
+                  </a:outerShdw>
+                </a:effectLst>
+                <a:latin typeface="+mj-lt"/>
+              </a:rPr>
+              <a:t>YouTubeCrawlerTool</a:t>
+            </a:r>
+            <a:endParaRPr lang="es-ES_tradnl" dirty="0"/>
+          </a:p>
+        </p:txBody>
+      </p:sp>
     </p:spTree>
     <p:extLst>
       <p:ext uri="{BB962C8B-B14F-4D97-AF65-F5344CB8AC3E}">
@@ -4201,6 +4755,54 @@
           </a:p>
         </p:txBody>
       </p:sp>
+      <p:sp>
+        <p:nvSpPr>
+          <p:cNvPr id="4" name="TextBox 3"/>
+          <p:cNvSpPr txBox="1"/>
+          <p:nvPr/>
+        </p:nvSpPr>
+        <p:spPr>
+          <a:xfrm>
+            <a:off x="6574837" y="9407"/>
+            <a:ext cx="1730963" cy="307777"/>
+          </a:xfrm>
+          <a:prstGeom prst="rect">
+            <a:avLst/>
+          </a:prstGeom>
+          <a:noFill/>
+        </p:spPr>
+        <p:txBody>
+          <a:bodyPr wrap="square" rtlCol="0">
+            <a:spAutoFit/>
+          </a:bodyPr>
+          <a:lstStyle/>
+          <a:p>
+            <a:r>
+              <a:rPr lang="en-US" sz="1400" dirty="0" err="1" smtClean="0">
+                <a:ln w="18415" cmpd="sng">
+                  <a:solidFill>
+                    <a:srgbClr val="FFFFFF"/>
+                  </a:solidFill>
+                  <a:prstDash val="solid"/>
+                </a:ln>
+                <a:solidFill>
+                  <a:srgbClr val="FFFFFF"/>
+                </a:solidFill>
+                <a:effectLst>
+                  <a:outerShdw blurRad="63500" dir="3600000" algn="tl" rotWithShape="0">
+                    <a:srgbClr val="000000">
+                      <a:alpha val="70000"/>
+                    </a:srgbClr>
+                  </a:outerShdw>
+                </a:effectLst>
+                <a:latin typeface="+mj-lt"/>
+              </a:rPr>
+              <a:t>YouTubeCrawlerTool</a:t>
+            </a:r>
+            <a:endParaRPr lang="es-ES_tradnl" dirty="0"/>
+          </a:p>
+        </p:txBody>
+      </p:sp>
     </p:spTree>
     <p:extLst>
       <p:ext uri="{BB962C8B-B14F-4D97-AF65-F5344CB8AC3E}">
@@ -4281,6 +4883,54 @@
           <a:lstStyle/>
           <a:p>
             <a:endParaRPr lang="es-ES_tradnl"/>
+          </a:p>
+        </p:txBody>
+      </p:sp>
+      <p:sp>
+        <p:nvSpPr>
+          <p:cNvPr id="4" name="TextBox 3"/>
+          <p:cNvSpPr txBox="1"/>
+          <p:nvPr/>
+        </p:nvSpPr>
+        <p:spPr>
+          <a:xfrm>
+            <a:off x="6574837" y="9407"/>
+            <a:ext cx="1730963" cy="307777"/>
+          </a:xfrm>
+          <a:prstGeom prst="rect">
+            <a:avLst/>
+          </a:prstGeom>
+          <a:noFill/>
+        </p:spPr>
+        <p:txBody>
+          <a:bodyPr wrap="square" rtlCol="0">
+            <a:spAutoFit/>
+          </a:bodyPr>
+          <a:lstStyle/>
+          <a:p>
+            <a:r>
+              <a:rPr lang="en-US" sz="1400" dirty="0" err="1" smtClean="0">
+                <a:ln w="18415" cmpd="sng">
+                  <a:solidFill>
+                    <a:srgbClr val="FFFFFF"/>
+                  </a:solidFill>
+                  <a:prstDash val="solid"/>
+                </a:ln>
+                <a:solidFill>
+                  <a:srgbClr val="FFFFFF"/>
+                </a:solidFill>
+                <a:effectLst>
+                  <a:outerShdw blurRad="63500" dir="3600000" algn="tl" rotWithShape="0">
+                    <a:srgbClr val="000000">
+                      <a:alpha val="70000"/>
+                    </a:srgbClr>
+                  </a:outerShdw>
+                </a:effectLst>
+                <a:latin typeface="+mj-lt"/>
+              </a:rPr>
+              <a:t>YouTubeCrawlerTool</a:t>
+            </a:r>
+            <a:endParaRPr lang="es-ES_tradnl" dirty="0"/>
           </a:p>
         </p:txBody>
       </p:sp>
@@ -4585,7 +5235,7 @@
           <p:nvPr/>
         </p:nvPicPr>
         <p:blipFill>
-          <a:blip r:embed="rId2" cstate="print">
+          <a:blip r:embed="rId3" cstate="print">
             <a:extLst>
               <a:ext uri="{28A0092B-C50C-407E-A947-70E740481C1C}">
                 <a14:useLocalDpi xmlns:a14="http://schemas.microsoft.com/office/drawing/2010/main" val="0"/>
@@ -4614,8 +5264,8 @@
         </p:nvSpPr>
         <p:spPr>
           <a:xfrm>
-            <a:off x="762000" y="3458956"/>
-            <a:ext cx="7574582" cy="1261884"/>
+            <a:off x="762000" y="3204967"/>
+            <a:ext cx="7574582" cy="1600438"/>
           </a:xfrm>
           <a:prstGeom prst="rect">
             <a:avLst/>
@@ -4630,25 +5280,103 @@
           <a:p>
             <a:pPr algn="ctr"/>
             <a:r>
-              <a:rPr lang="es-ES_tradnl" sz="4000" dirty="0" smtClean="0">
+              <a:rPr lang="es-ES_tradnl" sz="2800" dirty="0" smtClean="0"/>
+              <a:t>Código fuente:</a:t>
+            </a:r>
+          </a:p>
+          <a:p>
+            <a:pPr algn="ctr"/>
+            <a:r>
+              <a:rPr lang="es-ES_tradnl" sz="1400" dirty="0" smtClean="0">
+                <a:hlinkClick r:id="rId4"/>
+              </a:rPr>
+              <a:t>https</a:t>
+            </a:r>
+            <a:r>
+              <a:rPr lang="es-ES_tradnl" sz="1400" dirty="0">
+                <a:hlinkClick r:id="rId4"/>
+              </a:rPr>
+              <a:t>://github.com/jsanchezmend/TFGAntivacunas/tree/master/</a:t>
+            </a:r>
+            <a:r>
+              <a:rPr lang="es-ES_tradnl" sz="1400" dirty="0" smtClean="0">
+                <a:hlinkClick r:id="rId4"/>
+              </a:rPr>
+              <a:t>YouTubeCrawlerTool</a:t>
+            </a:r>
+            <a:r>
+              <a:rPr lang="es-ES_tradnl" sz="1400" dirty="0" smtClean="0"/>
+              <a:t/>
+            </a:r>
+            <a:br>
+              <a:rPr lang="es-ES_tradnl" sz="1400" dirty="0" smtClean="0"/>
+            </a:br>
+            <a:endParaRPr lang="es-ES_tradnl" sz="1400" dirty="0" smtClean="0"/>
+          </a:p>
+          <a:p>
+            <a:pPr algn="ctr"/>
+            <a:r>
+              <a:rPr lang="es-ES_tradnl" sz="2800" dirty="0" smtClean="0"/>
+              <a:t>Preguntas?</a:t>
+            </a:r>
+          </a:p>
+          <a:p>
+            <a:pPr algn="ctr"/>
+            <a:r>
+              <a:rPr lang="es-ES_tradnl" sz="1400" u="sng" dirty="0">
+                <a:hlinkClick r:id="rId5"/>
+              </a:rPr>
+              <a:t>jsanchezmend@uoc.edu</a:t>
+            </a:r>
+            <a:endParaRPr lang="es-ES_tradnl" sz="1400" u="sng" dirty="0"/>
+          </a:p>
+        </p:txBody>
+      </p:sp>
+      <p:sp>
+        <p:nvSpPr>
+          <p:cNvPr id="11" name="TextBox 10"/>
+          <p:cNvSpPr txBox="1"/>
+          <p:nvPr/>
+        </p:nvSpPr>
+        <p:spPr>
+          <a:xfrm>
+            <a:off x="6574837" y="9407"/>
+            <a:ext cx="1730963" cy="307777"/>
+          </a:xfrm>
+          <a:prstGeom prst="rect">
+            <a:avLst/>
+          </a:prstGeom>
+          <a:noFill/>
+        </p:spPr>
+        <p:txBody>
+          <a:bodyPr wrap="square" rtlCol="0">
+            <a:spAutoFit/>
+          </a:bodyPr>
+          <a:lstStyle/>
+          <a:p>
+            <a:r>
+              <a:rPr lang="en-US" sz="1400" dirty="0" err="1" smtClean="0">
+                <a:ln w="18415" cmpd="sng">
+                  <a:solidFill>
+                    <a:srgbClr val="FFFFFF"/>
+                  </a:solidFill>
+                  <a:prstDash val="solid"/>
+                </a:ln>
+                <a:solidFill>
+                  <a:srgbClr val="FFFFFF"/>
+                </a:solidFill>
+                <a:effectLst>
+                  <a:outerShdw blurRad="63500" dir="3600000" algn="tl" rotWithShape="0">
+                    <a:srgbClr val="000000">
+                      <a:alpha val="70000"/>
+                    </a:srgbClr>
+                  </a:outerShdw>
+                </a:effectLst>
                 <a:latin typeface="+mj-lt"/>
               </a:rPr>
-              <a:t>Preguntas?</a:t>
-            </a:r>
-          </a:p>
-          <a:p>
-            <a:pPr algn="ctr"/>
-            <a:endParaRPr lang="es-ES_tradnl" dirty="0" smtClean="0"/>
-          </a:p>
-          <a:p>
-            <a:pPr algn="ctr"/>
-            <a:r>
-              <a:rPr lang="es-ES_tradnl" u="sng" dirty="0">
-                <a:hlinkClick r:id="rId3"/>
-              </a:rPr>
-              <a:t>jsanchezmend@uoc.edu</a:t>
-            </a:r>
-            <a:endParaRPr lang="es-ES_tradnl" u="sng" dirty="0"/>
+              <a:t>YouTubeCrawlerTool</a:t>
+            </a:r>
+            <a:endParaRPr lang="es-ES_tradnl" dirty="0"/>
           </a:p>
         </p:txBody>
       </p:sp>
@@ -4814,6 +5542,54 @@
           </a:p>
         </p:txBody>
       </p:sp>
+      <p:sp>
+        <p:nvSpPr>
+          <p:cNvPr id="5" name="TextBox 4"/>
+          <p:cNvSpPr txBox="1"/>
+          <p:nvPr/>
+        </p:nvSpPr>
+        <p:spPr>
+          <a:xfrm>
+            <a:off x="6574837" y="9407"/>
+            <a:ext cx="1730963" cy="307777"/>
+          </a:xfrm>
+          <a:prstGeom prst="rect">
+            <a:avLst/>
+          </a:prstGeom>
+          <a:noFill/>
+        </p:spPr>
+        <p:txBody>
+          <a:bodyPr wrap="square" rtlCol="0">
+            <a:spAutoFit/>
+          </a:bodyPr>
+          <a:lstStyle/>
+          <a:p>
+            <a:r>
+              <a:rPr lang="en-US" sz="1400" dirty="0" err="1" smtClean="0">
+                <a:ln w="18415" cmpd="sng">
+                  <a:solidFill>
+                    <a:srgbClr val="FFFFFF"/>
+                  </a:solidFill>
+                  <a:prstDash val="solid"/>
+                </a:ln>
+                <a:solidFill>
+                  <a:srgbClr val="FFFFFF"/>
+                </a:solidFill>
+                <a:effectLst>
+                  <a:outerShdw blurRad="63500" dir="3600000" algn="tl" rotWithShape="0">
+                    <a:srgbClr val="000000">
+                      <a:alpha val="70000"/>
+                    </a:srgbClr>
+                  </a:outerShdw>
+                </a:effectLst>
+                <a:latin typeface="+mj-lt"/>
+              </a:rPr>
+              <a:t>YouTubeCrawlerTool</a:t>
+            </a:r>
+            <a:endParaRPr lang="es-ES_tradnl" dirty="0"/>
+          </a:p>
+        </p:txBody>
+      </p:sp>
     </p:spTree>
     <p:extLst>
       <p:ext uri="{BB962C8B-B14F-4D97-AF65-F5344CB8AC3E}">
@@ -4879,20 +5655,283 @@
       </p:sp>
       <p:sp>
         <p:nvSpPr>
-          <p:cNvPr id="3" name="Content Placeholder 2"/>
-          <p:cNvSpPr>
-            <a:spLocks noGrp="1"/>
-          </p:cNvSpPr>
-          <p:nvPr>
-            <p:ph idx="1"/>
-          </p:nvPr>
-        </p:nvSpPr>
-        <p:spPr/>
+          <p:cNvPr id="6" name="Content Placeholder 5"/>
+          <p:cNvSpPr>
+            <a:spLocks noGrp="1"/>
+          </p:cNvSpPr>
+          <p:nvPr>
+            <p:ph sz="half" idx="1"/>
+          </p:nvPr>
+        </p:nvSpPr>
+        <p:spPr>
+          <a:xfrm>
+            <a:off x="761999" y="609601"/>
+            <a:ext cx="5221111" cy="4611510"/>
+          </a:xfrm>
+        </p:spPr>
         <p:txBody>
           <a:bodyPr/>
           <a:lstStyle/>
           <a:p>
-            <a:endParaRPr lang="es-ES_tradnl"/>
+            <a:endParaRPr lang="es-ES_tradnl" dirty="0"/>
+          </a:p>
+        </p:txBody>
+      </p:sp>
+      <p:sp>
+        <p:nvSpPr>
+          <p:cNvPr id="5" name="TextBox 4"/>
+          <p:cNvSpPr txBox="1"/>
+          <p:nvPr/>
+        </p:nvSpPr>
+        <p:spPr>
+          <a:xfrm>
+            <a:off x="6574837" y="9407"/>
+            <a:ext cx="1730963" cy="307777"/>
+          </a:xfrm>
+          <a:prstGeom prst="rect">
+            <a:avLst/>
+          </a:prstGeom>
+          <a:noFill/>
+        </p:spPr>
+        <p:txBody>
+          <a:bodyPr wrap="square" rtlCol="0">
+            <a:spAutoFit/>
+          </a:bodyPr>
+          <a:lstStyle/>
+          <a:p>
+            <a:r>
+              <a:rPr lang="en-US" sz="1400" dirty="0" err="1" smtClean="0">
+                <a:ln w="18415" cmpd="sng">
+                  <a:solidFill>
+                    <a:srgbClr val="FFFFFF"/>
+                  </a:solidFill>
+                  <a:prstDash val="solid"/>
+                </a:ln>
+                <a:solidFill>
+                  <a:srgbClr val="FFFFFF"/>
+                </a:solidFill>
+                <a:effectLst>
+                  <a:outerShdw blurRad="63500" dir="3600000" algn="tl" rotWithShape="0">
+                    <a:srgbClr val="000000">
+                      <a:alpha val="70000"/>
+                    </a:srgbClr>
+                  </a:outerShdw>
+                </a:effectLst>
+                <a:latin typeface="+mj-lt"/>
+              </a:rPr>
+              <a:t>YouTubeCrawlerTool</a:t>
+            </a:r>
+            <a:endParaRPr lang="es-ES_tradnl" dirty="0"/>
+          </a:p>
+        </p:txBody>
+      </p:sp>
+      <p:pic>
+        <p:nvPicPr>
+          <p:cNvPr id="11" name="Picture 10" descr="vacunas1.png"/>
+          <p:cNvPicPr>
+            <a:picLocks noChangeAspect="1"/>
+          </p:cNvPicPr>
+          <p:nvPr/>
+        </p:nvPicPr>
+        <p:blipFill>
+          <a:blip r:embed="rId2">
+            <a:extLst>
+              <a:ext uri="{28A0092B-C50C-407E-A947-70E740481C1C}">
+                <a14:useLocalDpi xmlns:a14="http://schemas.microsoft.com/office/drawing/2010/main" val="0"/>
+              </a:ext>
+            </a:extLst>
+          </a:blip>
+          <a:stretch>
+            <a:fillRect/>
+          </a:stretch>
+        </p:blipFill>
+        <p:spPr>
+          <a:xfrm rot="21162875">
+            <a:off x="4838579" y="2567514"/>
+            <a:ext cx="3687192" cy="1421224"/>
+          </a:xfrm>
+          <a:prstGeom prst="rect">
+            <a:avLst/>
+          </a:prstGeom>
+          <a:solidFill>
+            <a:srgbClr val="FFFFFF">
+              <a:shade val="85000"/>
+            </a:srgbClr>
+          </a:solidFill>
+          <a:ln w="88900" cap="sq">
+            <a:solidFill>
+              <a:srgbClr val="FFFFFF"/>
+            </a:solidFill>
+            <a:miter lim="800000"/>
+          </a:ln>
+          <a:effectLst>
+            <a:outerShdw blurRad="55000" dist="18000" dir="5400000" algn="tl" rotWithShape="0">
+              <a:srgbClr val="000000">
+                <a:alpha val="40000"/>
+              </a:srgbClr>
+            </a:outerShdw>
+          </a:effectLst>
+          <a:scene3d>
+            <a:camera prst="orthographicFront"/>
+            <a:lightRig rig="twoPt" dir="t">
+              <a:rot lat="0" lon="0" rev="7200000"/>
+            </a:lightRig>
+          </a:scene3d>
+          <a:sp3d>
+            <a:bevelT w="25400" h="19050"/>
+            <a:contourClr>
+              <a:srgbClr val="FFFFFF"/>
+            </a:contourClr>
+          </a:sp3d>
+        </p:spPr>
+      </p:pic>
+      <p:pic>
+        <p:nvPicPr>
+          <p:cNvPr id="9" name="Picture 8" descr="vascunas2tiff.png"/>
+          <p:cNvPicPr>
+            <a:picLocks noChangeAspect="1"/>
+          </p:cNvPicPr>
+          <p:nvPr/>
+        </p:nvPicPr>
+        <p:blipFill>
+          <a:blip r:embed="rId3">
+            <a:extLst>
+              <a:ext uri="{28A0092B-C50C-407E-A947-70E740481C1C}">
+                <a14:useLocalDpi xmlns:a14="http://schemas.microsoft.com/office/drawing/2010/main" val="0"/>
+              </a:ext>
+            </a:extLst>
+          </a:blip>
+          <a:stretch>
+            <a:fillRect/>
+          </a:stretch>
+        </p:blipFill>
+        <p:spPr>
+          <a:xfrm rot="521418">
+            <a:off x="4352860" y="1077766"/>
+            <a:ext cx="4443953" cy="1366084"/>
+          </a:xfrm>
+          <a:prstGeom prst="rect">
+            <a:avLst/>
+          </a:prstGeom>
+          <a:solidFill>
+            <a:srgbClr val="FFFFFF">
+              <a:shade val="85000"/>
+            </a:srgbClr>
+          </a:solidFill>
+          <a:ln w="88900" cap="sq">
+            <a:solidFill>
+              <a:srgbClr val="FFFFFF"/>
+            </a:solidFill>
+            <a:miter lim="800000"/>
+          </a:ln>
+          <a:effectLst>
+            <a:outerShdw blurRad="55000" dist="18000" dir="5400000" algn="tl" rotWithShape="0">
+              <a:srgbClr val="000000">
+                <a:alpha val="40000"/>
+              </a:srgbClr>
+            </a:outerShdw>
+          </a:effectLst>
+          <a:scene3d>
+            <a:camera prst="orthographicFront"/>
+            <a:lightRig rig="twoPt" dir="t">
+              <a:rot lat="0" lon="0" rev="7200000"/>
+            </a:lightRig>
+          </a:scene3d>
+          <a:sp3d>
+            <a:bevelT w="25400" h="19050"/>
+            <a:contourClr>
+              <a:srgbClr val="FFFFFF"/>
+            </a:contourClr>
+          </a:sp3d>
+        </p:spPr>
+      </p:pic>
+      <p:sp>
+        <p:nvSpPr>
+          <p:cNvPr id="12" name="TextBox 11"/>
+          <p:cNvSpPr txBox="1"/>
+          <p:nvPr/>
+        </p:nvSpPr>
+        <p:spPr>
+          <a:xfrm>
+            <a:off x="6124223" y="4487333"/>
+            <a:ext cx="2476780" cy="886397"/>
+          </a:xfrm>
+          <a:prstGeom prst="rect">
+            <a:avLst/>
+          </a:prstGeom>
+          <a:noFill/>
+        </p:spPr>
+        <p:txBody>
+          <a:bodyPr wrap="square" rtlCol="0">
+            <a:spAutoFit/>
+          </a:bodyPr>
+          <a:lstStyle/>
+          <a:p>
+            <a:pPr>
+              <a:lnSpc>
+                <a:spcPct val="130000"/>
+              </a:lnSpc>
+            </a:pPr>
+            <a:r>
+              <a:rPr lang="es-ES_tradnl" sz="1200" baseline="30000" dirty="0">
+                <a:hlinkClick r:id="rId4"/>
+              </a:rPr>
+              <a:t>https://buenavibra.es/movida-sana/salud/ italia-sarampion-movimientos-antivacunas</a:t>
+            </a:r>
+            <a:r>
+              <a:rPr lang="es-ES_tradnl" sz="1200" baseline="30000" dirty="0"/>
+              <a:t> (16/03/2018)</a:t>
+            </a:r>
+            <a:endParaRPr lang="es-ES_tradnl" sz="1200" dirty="0"/>
+          </a:p>
+          <a:p>
+            <a:pPr>
+              <a:lnSpc>
+                <a:spcPct val="130000"/>
+              </a:lnSpc>
+            </a:pPr>
+            <a:r>
+              <a:rPr lang="es-ES_tradnl" sz="1200" baseline="30000" dirty="0" smtClean="0">
+                <a:hlinkClick r:id="rId5"/>
+              </a:rPr>
+              <a:t/>
+            </a:r>
+            <a:br>
+              <a:rPr lang="es-ES_tradnl" sz="1200" baseline="30000" dirty="0" smtClean="0">
+                <a:hlinkClick r:id="rId5"/>
+              </a:rPr>
+            </a:br>
+            <a:r>
+              <a:rPr lang="es-ES_tradnl" sz="1200" baseline="30000" dirty="0" smtClean="0">
+                <a:hlinkClick r:id="rId5"/>
+              </a:rPr>
+              <a:t>http</a:t>
+            </a:r>
+            <a:r>
+              <a:rPr lang="es-ES_tradnl" sz="1200" baseline="30000" dirty="0">
+                <a:hlinkClick r:id="rId5"/>
+              </a:rPr>
+              <a:t>://www.elmundo.es/cataluna/2015/06/27/ 558e5fb2e2704ea41e8b4576.</a:t>
+            </a:r>
+            <a:r>
+              <a:rPr lang="es-ES_tradnl" sz="1200" baseline="30000" dirty="0" smtClean="0">
+                <a:hlinkClick r:id="rId5"/>
+              </a:rPr>
+              <a:t>html </a:t>
+            </a:r>
+            <a:r>
+              <a:rPr lang="es-ES_tradnl" sz="1200" baseline="30000" dirty="0" smtClean="0"/>
+              <a:t>(</a:t>
+            </a:r>
+            <a:r>
+              <a:rPr lang="es-ES_tradnl" sz="1200" baseline="30000" dirty="0"/>
+              <a:t>07/03/2018</a:t>
+            </a:r>
+            <a:r>
+              <a:rPr lang="es-ES_tradnl" sz="1200" baseline="30000" dirty="0" smtClean="0"/>
+              <a:t>)</a:t>
+            </a:r>
+            <a:endParaRPr lang="es-ES_tradnl" sz="1200" baseline="30000" dirty="0"/>
           </a:p>
         </p:txBody>
       </p:sp>
@@ -4946,7 +5985,12 @@
             <p:ph type="title"/>
           </p:nvPr>
         </p:nvSpPr>
-        <p:spPr/>
+        <p:spPr>
+          <a:xfrm>
+            <a:off x="762000" y="5098814"/>
+            <a:ext cx="6781800" cy="1073385"/>
+          </a:xfrm>
+        </p:spPr>
         <p:txBody>
           <a:bodyPr/>
           <a:lstStyle/>
@@ -4969,12 +6013,444 @@
             <p:ph idx="1"/>
           </p:nvPr>
         </p:nvSpPr>
-        <p:spPr/>
-        <p:txBody>
-          <a:bodyPr/>
-          <a:lstStyle/>
-          <a:p>
-            <a:endParaRPr lang="es-ES_tradnl"/>
+        <p:spPr>
+          <a:xfrm>
+            <a:off x="762000" y="685799"/>
+            <a:ext cx="7543800" cy="4413015"/>
+          </a:xfrm>
+        </p:spPr>
+        <p:txBody>
+          <a:bodyPr>
+            <a:normAutofit fontScale="62500" lnSpcReduction="20000"/>
+          </a:bodyPr>
+          <a:lstStyle/>
+          <a:p>
+            <a:pPr marL="0" indent="0" algn="ctr">
+              <a:buNone/>
+            </a:pPr>
+            <a:r>
+              <a:rPr lang="es-ES_tradnl" sz="3300" b="1" dirty="0" smtClean="0"/>
+              <a:t>Aplicaci</a:t>
+            </a:r>
+            <a:r>
+              <a:rPr lang="es-ES_tradnl" sz="3300" b="1" dirty="0" smtClean="0"/>
+              <a:t>ó</a:t>
+            </a:r>
+            <a:r>
+              <a:rPr lang="es-ES_tradnl" sz="3300" b="1" dirty="0" smtClean="0"/>
+              <a:t>n web para la obtenci</a:t>
+            </a:r>
+            <a:r>
+              <a:rPr lang="es-ES_tradnl" sz="3300" b="1" dirty="0" smtClean="0"/>
+              <a:t>ón</a:t>
+            </a:r>
+            <a:r>
+              <a:rPr lang="es-ES_tradnl" sz="3300" b="1" dirty="0" smtClean="0"/>
+              <a:t> de informaci</a:t>
+            </a:r>
+            <a:r>
+              <a:rPr lang="es-ES_tradnl" sz="3300" b="1" dirty="0" smtClean="0"/>
+              <a:t>ó</a:t>
+            </a:r>
+            <a:r>
+              <a:rPr lang="es-ES_tradnl" sz="3300" b="1" dirty="0" smtClean="0"/>
+              <a:t>n en </a:t>
+            </a:r>
+            <a:r>
+              <a:rPr lang="es-ES_tradnl" sz="3300" b="1" i="1" dirty="0" smtClean="0"/>
+              <a:t>YouTube </a:t>
+            </a:r>
+            <a:r>
+              <a:rPr lang="es-ES_tradnl" sz="3300" b="1" dirty="0" smtClean="0"/>
+              <a:t>que posibilite el estudio del movimiento antivacuna. </a:t>
+            </a:r>
+          </a:p>
+          <a:p>
+            <a:pPr marL="0" indent="0">
+              <a:buNone/>
+            </a:pPr>
+            <a:endParaRPr lang="es-ES_tradnl" dirty="0"/>
+          </a:p>
+          <a:p>
+            <a:r>
+              <a:rPr lang="es-ES_tradnl" dirty="0" smtClean="0"/>
+              <a:t>Investigar la API de YouTube </a:t>
+            </a:r>
+            <a:r>
+              <a:rPr lang="es-ES_tradnl" dirty="0"/>
+              <a:t>y </a:t>
+            </a:r>
+            <a:r>
+              <a:rPr lang="es-ES_tradnl" dirty="0" smtClean="0"/>
+              <a:t>como se puede utilizar </a:t>
+            </a:r>
+            <a:r>
+              <a:rPr lang="es-ES_tradnl" dirty="0"/>
+              <a:t>para la </a:t>
+            </a:r>
+            <a:r>
+              <a:rPr lang="es-ES_tradnl" dirty="0" smtClean="0"/>
+              <a:t>obtenci</a:t>
+            </a:r>
+            <a:r>
+              <a:rPr lang="es-ES_tradnl" dirty="0" smtClean="0"/>
+              <a:t>ó</a:t>
+            </a:r>
+            <a:r>
+              <a:rPr lang="es-ES_tradnl" dirty="0" smtClean="0"/>
+              <a:t>n </a:t>
+            </a:r>
+            <a:r>
+              <a:rPr lang="es-ES_tradnl" dirty="0"/>
+              <a:t>de la </a:t>
+            </a:r>
+            <a:r>
+              <a:rPr lang="es-ES_tradnl" dirty="0" smtClean="0"/>
+              <a:t>informaci</a:t>
+            </a:r>
+            <a:r>
+              <a:rPr lang="es-ES_tradnl" dirty="0" smtClean="0"/>
+              <a:t>ó</a:t>
+            </a:r>
+            <a:r>
+              <a:rPr lang="es-ES_tradnl" dirty="0" smtClean="0"/>
+              <a:t>n </a:t>
+            </a:r>
+            <a:r>
+              <a:rPr lang="es-ES_tradnl" dirty="0"/>
+              <a:t>requerida. </a:t>
+            </a:r>
+            <a:r>
+              <a:rPr lang="es-ES_tradnl" dirty="0"/>
+              <a:t/>
+            </a:r>
+            <a:br>
+              <a:rPr lang="es-ES_tradnl" dirty="0"/>
+            </a:br>
+            <a:endParaRPr lang="es-ES_tradnl" dirty="0"/>
+          </a:p>
+          <a:p>
+            <a:r>
+              <a:rPr lang="es-ES_tradnl" dirty="0" smtClean="0"/>
+              <a:t>Determinar </a:t>
+            </a:r>
+            <a:r>
+              <a:rPr lang="es-ES_tradnl" dirty="0"/>
+              <a:t>como almacenar y acceder de forma eficiente a la gran cantidad de </a:t>
+            </a:r>
+            <a:r>
+              <a:rPr lang="es-ES_tradnl" dirty="0" smtClean="0"/>
+              <a:t>informaci</a:t>
+            </a:r>
+            <a:r>
+              <a:rPr lang="es-ES_tradnl" dirty="0" smtClean="0"/>
+              <a:t>ó</a:t>
+            </a:r>
+            <a:r>
+              <a:rPr lang="es-ES_tradnl" dirty="0" smtClean="0"/>
+              <a:t>n </a:t>
+            </a:r>
+            <a:r>
+              <a:rPr lang="es-ES_tradnl" dirty="0"/>
+              <a:t>que se </a:t>
+            </a:r>
+            <a:r>
+              <a:rPr lang="es-ES_tradnl" dirty="0" smtClean="0"/>
+              <a:t>obtendr</a:t>
+            </a:r>
+            <a:r>
+              <a:rPr lang="es-ES_tradnl" dirty="0" smtClean="0"/>
+              <a:t>á</a:t>
+            </a:r>
+            <a:r>
+              <a:rPr lang="es-ES_tradnl" dirty="0" smtClean="0"/>
+              <a:t>.</a:t>
+            </a:r>
+            <a:br>
+              <a:rPr lang="es-ES_tradnl" dirty="0" smtClean="0"/>
+            </a:br>
+            <a:endParaRPr lang="es-ES_tradnl" dirty="0" smtClean="0"/>
+          </a:p>
+          <a:p>
+            <a:r>
+              <a:rPr lang="es-ES_tradnl" dirty="0" smtClean="0"/>
+              <a:t>Permitir </a:t>
+            </a:r>
+            <a:r>
+              <a:rPr lang="es-ES_tradnl" dirty="0"/>
+              <a:t>la </a:t>
+            </a:r>
+            <a:r>
+              <a:rPr lang="es-ES_tradnl" dirty="0" smtClean="0"/>
+              <a:t>recolecci</a:t>
+            </a:r>
+            <a:r>
+              <a:rPr lang="es-ES_tradnl" dirty="0" smtClean="0"/>
+              <a:t>ó</a:t>
+            </a:r>
+            <a:r>
+              <a:rPr lang="es-ES_tradnl" dirty="0" smtClean="0"/>
+              <a:t>n </a:t>
+            </a:r>
+            <a:r>
+              <a:rPr lang="es-ES_tradnl" dirty="0"/>
+              <a:t>de </a:t>
+            </a:r>
+            <a:r>
+              <a:rPr lang="es-ES_tradnl" dirty="0" smtClean="0"/>
+              <a:t>informaci</a:t>
+            </a:r>
+            <a:r>
+              <a:rPr lang="es-ES_tradnl" dirty="0" smtClean="0"/>
+              <a:t>ó</a:t>
+            </a:r>
+            <a:r>
+              <a:rPr lang="es-ES_tradnl" dirty="0" smtClean="0"/>
+              <a:t>n seg</a:t>
+            </a:r>
+            <a:r>
+              <a:rPr lang="es-ES_tradnl" dirty="0" smtClean="0"/>
+              <a:t>ú</a:t>
+            </a:r>
+            <a:r>
+              <a:rPr lang="es-ES_tradnl" dirty="0" smtClean="0"/>
+              <a:t>n </a:t>
+            </a:r>
+            <a:r>
+              <a:rPr lang="es-ES_tradnl" dirty="0"/>
+              <a:t>criterios de </a:t>
+            </a:r>
+            <a:r>
+              <a:rPr lang="es-ES_tradnl" dirty="0" smtClean="0"/>
+              <a:t>b</a:t>
+            </a:r>
+            <a:r>
+              <a:rPr lang="es-ES_tradnl" dirty="0" smtClean="0"/>
+              <a:t>ú</a:t>
+            </a:r>
+            <a:r>
+              <a:rPr lang="es-ES_tradnl" dirty="0" smtClean="0"/>
+              <a:t>squeda proporcionados </a:t>
+            </a:r>
+            <a:r>
+              <a:rPr lang="es-ES_tradnl" dirty="0"/>
+              <a:t>por el </a:t>
+            </a:r>
+            <a:r>
+              <a:rPr lang="es-ES_tradnl" dirty="0" smtClean="0"/>
+              <a:t>usuario. </a:t>
+            </a:r>
+            <a:br>
+              <a:rPr lang="es-ES_tradnl" dirty="0" smtClean="0"/>
+            </a:br>
+            <a:endParaRPr lang="es-ES_tradnl" dirty="0" smtClean="0"/>
+          </a:p>
+          <a:p>
+            <a:r>
+              <a:rPr lang="es-ES_tradnl" dirty="0" smtClean="0"/>
+              <a:t>Habilitar </a:t>
+            </a:r>
+            <a:r>
+              <a:rPr lang="es-ES_tradnl" dirty="0"/>
+              <a:t>la </a:t>
+            </a:r>
+            <a:r>
+              <a:rPr lang="es-ES_tradnl" dirty="0" smtClean="0"/>
+              <a:t>gesti</a:t>
+            </a:r>
+            <a:r>
+              <a:rPr lang="es-ES_tradnl" dirty="0" smtClean="0"/>
+              <a:t>ó</a:t>
+            </a:r>
+            <a:r>
+              <a:rPr lang="es-ES_tradnl" dirty="0" smtClean="0"/>
+              <a:t>n</a:t>
+            </a:r>
+            <a:r>
+              <a:rPr lang="es-ES_tradnl" dirty="0"/>
+              <a:t>, </a:t>
+            </a:r>
+            <a:r>
+              <a:rPr lang="es-ES_tradnl" dirty="0" smtClean="0"/>
+              <a:t>visualizaci</a:t>
+            </a:r>
+            <a:r>
+              <a:rPr lang="es-ES_tradnl" dirty="0" smtClean="0"/>
+              <a:t>ó</a:t>
+            </a:r>
+            <a:r>
+              <a:rPr lang="es-ES_tradnl" dirty="0" smtClean="0"/>
+              <a:t>n </a:t>
+            </a:r>
+            <a:r>
+              <a:rPr lang="es-ES_tradnl" dirty="0"/>
+              <a:t>y </a:t>
+            </a:r>
+            <a:r>
+              <a:rPr lang="es-ES_tradnl" dirty="0" smtClean="0"/>
+              <a:t>exportaci</a:t>
+            </a:r>
+            <a:r>
+              <a:rPr lang="es-ES_tradnl" dirty="0" smtClean="0"/>
+              <a:t>ó</a:t>
+            </a:r>
+            <a:r>
+              <a:rPr lang="es-ES_tradnl" dirty="0" smtClean="0"/>
+              <a:t>n de los </a:t>
+            </a:r>
+            <a:r>
+              <a:rPr lang="es-ES_tradnl" dirty="0"/>
+              <a:t>datos obtenidos </a:t>
+            </a:r>
+            <a:r>
+              <a:rPr lang="es-ES_tradnl" dirty="0" smtClean="0"/>
+              <a:t>para </a:t>
+            </a:r>
+            <a:r>
+              <a:rPr lang="es-ES_tradnl" dirty="0"/>
+              <a:t>su posterior </a:t>
+            </a:r>
+            <a:r>
+              <a:rPr lang="es-ES_tradnl" dirty="0" smtClean="0"/>
+              <a:t>an</a:t>
+            </a:r>
+            <a:r>
+              <a:rPr lang="es-ES_tradnl" dirty="0" smtClean="0"/>
+              <a:t>á</a:t>
+            </a:r>
+            <a:r>
+              <a:rPr lang="es-ES_tradnl" dirty="0" smtClean="0"/>
+              <a:t>lisis </a:t>
+            </a:r>
+            <a:r>
+              <a:rPr lang="es-ES_tradnl" dirty="0"/>
+              <a:t>en </a:t>
+            </a:r>
+            <a:r>
+              <a:rPr lang="es-ES_tradnl" dirty="0" smtClean="0"/>
+              <a:t>herramientas especializadas.</a:t>
+            </a:r>
+            <a:br>
+              <a:rPr lang="es-ES_tradnl" dirty="0" smtClean="0"/>
+            </a:br>
+            <a:endParaRPr lang="es-ES_tradnl" dirty="0" smtClean="0"/>
+          </a:p>
+          <a:p>
+            <a:r>
+              <a:rPr lang="es-ES_tradnl" dirty="0" smtClean="0"/>
+              <a:t>Ofrecer </a:t>
+            </a:r>
+            <a:r>
+              <a:rPr lang="es-ES_tradnl" dirty="0"/>
+              <a:t>herramientas de </a:t>
+            </a:r>
+            <a:r>
+              <a:rPr lang="es-ES_tradnl" dirty="0" smtClean="0"/>
+              <a:t>visualizaci</a:t>
+            </a:r>
+            <a:r>
+              <a:rPr lang="es-ES_tradnl" dirty="0" smtClean="0"/>
+              <a:t>ó</a:t>
+            </a:r>
+            <a:r>
+              <a:rPr lang="es-ES_tradnl" dirty="0" smtClean="0"/>
+              <a:t>n </a:t>
+            </a:r>
+            <a:r>
+              <a:rPr lang="es-ES_tradnl" dirty="0"/>
+              <a:t>para el </a:t>
+            </a:r>
+            <a:r>
+              <a:rPr lang="es-ES_tradnl" dirty="0" smtClean="0"/>
+              <a:t>an</a:t>
+            </a:r>
+            <a:r>
+              <a:rPr lang="es-ES_tradnl" dirty="0" smtClean="0"/>
+              <a:t>á</a:t>
+            </a:r>
+            <a:r>
+              <a:rPr lang="es-ES_tradnl" dirty="0" smtClean="0"/>
+              <a:t>lisis </a:t>
+            </a:r>
+            <a:r>
+              <a:rPr lang="es-ES_tradnl" dirty="0"/>
+              <a:t>y </a:t>
+            </a:r>
+            <a:r>
+              <a:rPr lang="es-ES_tradnl" dirty="0" smtClean="0"/>
+              <a:t>comprensi</a:t>
+            </a:r>
+            <a:r>
+              <a:rPr lang="es-ES_tradnl" dirty="0" smtClean="0"/>
+              <a:t>ó</a:t>
+            </a:r>
+            <a:r>
+              <a:rPr lang="es-ES_tradnl" dirty="0" smtClean="0"/>
+              <a:t>n de los datos obtenidos. </a:t>
+            </a:r>
+            <a:br>
+              <a:rPr lang="es-ES_tradnl" dirty="0" smtClean="0"/>
+            </a:br>
+            <a:endParaRPr lang="es-ES_tradnl" dirty="0" smtClean="0"/>
+          </a:p>
+          <a:p>
+            <a:r>
+              <a:rPr lang="es-ES_tradnl" dirty="0" smtClean="0"/>
+              <a:t>Proporcionar </a:t>
+            </a:r>
+            <a:r>
+              <a:rPr lang="es-ES_tradnl" dirty="0"/>
+              <a:t>una interfaz de usuario usable que permita realizar las acciones requeridas por el usuario final. </a:t>
+            </a:r>
+            <a:endParaRPr lang="es-ES_tradnl" dirty="0"/>
+          </a:p>
+        </p:txBody>
+      </p:sp>
+      <p:sp>
+        <p:nvSpPr>
+          <p:cNvPr id="5" name="TextBox 4"/>
+          <p:cNvSpPr txBox="1"/>
+          <p:nvPr/>
+        </p:nvSpPr>
+        <p:spPr>
+          <a:xfrm>
+            <a:off x="6574837" y="9407"/>
+            <a:ext cx="1730963" cy="307777"/>
+          </a:xfrm>
+          <a:prstGeom prst="rect">
+            <a:avLst/>
+          </a:prstGeom>
+          <a:noFill/>
+        </p:spPr>
+        <p:txBody>
+          <a:bodyPr wrap="square" rtlCol="0">
+            <a:spAutoFit/>
+          </a:bodyPr>
+          <a:lstStyle/>
+          <a:p>
+            <a:r>
+              <a:rPr lang="en-US" sz="1400" dirty="0" err="1" smtClean="0">
+                <a:ln w="18415" cmpd="sng">
+                  <a:solidFill>
+                    <a:srgbClr val="FFFFFF"/>
+                  </a:solidFill>
+                  <a:prstDash val="solid"/>
+                </a:ln>
+                <a:solidFill>
+                  <a:srgbClr val="FFFFFF"/>
+                </a:solidFill>
+                <a:effectLst>
+                  <a:outerShdw blurRad="63500" dir="3600000" algn="tl" rotWithShape="0">
+                    <a:srgbClr val="000000">
+                      <a:alpha val="70000"/>
+                    </a:srgbClr>
+                  </a:outerShdw>
+                </a:effectLst>
+                <a:latin typeface="+mj-lt"/>
+              </a:rPr>
+              <a:t>YouTubeCrawlerTool</a:t>
+            </a:r>
+            <a:endParaRPr lang="es-ES_tradnl" dirty="0"/>
           </a:p>
         </p:txBody>
       </p:sp>
@@ -5066,6 +6542,54 @@
           </a:p>
         </p:txBody>
       </p:sp>
+      <p:sp>
+        <p:nvSpPr>
+          <p:cNvPr id="4" name="TextBox 3"/>
+          <p:cNvSpPr txBox="1"/>
+          <p:nvPr/>
+        </p:nvSpPr>
+        <p:spPr>
+          <a:xfrm>
+            <a:off x="6574837" y="9407"/>
+            <a:ext cx="1730963" cy="307777"/>
+          </a:xfrm>
+          <a:prstGeom prst="rect">
+            <a:avLst/>
+          </a:prstGeom>
+          <a:noFill/>
+        </p:spPr>
+        <p:txBody>
+          <a:bodyPr wrap="square" rtlCol="0">
+            <a:spAutoFit/>
+          </a:bodyPr>
+          <a:lstStyle/>
+          <a:p>
+            <a:r>
+              <a:rPr lang="en-US" sz="1400" dirty="0" err="1" smtClean="0">
+                <a:ln w="18415" cmpd="sng">
+                  <a:solidFill>
+                    <a:srgbClr val="FFFFFF"/>
+                  </a:solidFill>
+                  <a:prstDash val="solid"/>
+                </a:ln>
+                <a:solidFill>
+                  <a:srgbClr val="FFFFFF"/>
+                </a:solidFill>
+                <a:effectLst>
+                  <a:outerShdw blurRad="63500" dir="3600000" algn="tl" rotWithShape="0">
+                    <a:srgbClr val="000000">
+                      <a:alpha val="70000"/>
+                    </a:srgbClr>
+                  </a:outerShdw>
+                </a:effectLst>
+                <a:latin typeface="+mj-lt"/>
+              </a:rPr>
+              <a:t>YouTubeCrawlerTool</a:t>
+            </a:r>
+            <a:endParaRPr lang="es-ES_tradnl" dirty="0"/>
+          </a:p>
+        </p:txBody>
+      </p:sp>
     </p:spTree>
     <p:extLst>
       <p:ext uri="{BB962C8B-B14F-4D97-AF65-F5344CB8AC3E}">
@@ -5158,6 +6682,54 @@
           </a:p>
         </p:txBody>
       </p:sp>
+      <p:sp>
+        <p:nvSpPr>
+          <p:cNvPr id="4" name="TextBox 3"/>
+          <p:cNvSpPr txBox="1"/>
+          <p:nvPr/>
+        </p:nvSpPr>
+        <p:spPr>
+          <a:xfrm>
+            <a:off x="6574837" y="9407"/>
+            <a:ext cx="1730963" cy="307777"/>
+          </a:xfrm>
+          <a:prstGeom prst="rect">
+            <a:avLst/>
+          </a:prstGeom>
+          <a:noFill/>
+        </p:spPr>
+        <p:txBody>
+          <a:bodyPr wrap="square" rtlCol="0">
+            <a:spAutoFit/>
+          </a:bodyPr>
+          <a:lstStyle/>
+          <a:p>
+            <a:r>
+              <a:rPr lang="en-US" sz="1400" dirty="0" err="1" smtClean="0">
+                <a:ln w="18415" cmpd="sng">
+                  <a:solidFill>
+                    <a:srgbClr val="FFFFFF"/>
+                  </a:solidFill>
+                  <a:prstDash val="solid"/>
+                </a:ln>
+                <a:solidFill>
+                  <a:srgbClr val="FFFFFF"/>
+                </a:solidFill>
+                <a:effectLst>
+                  <a:outerShdw blurRad="63500" dir="3600000" algn="tl" rotWithShape="0">
+                    <a:srgbClr val="000000">
+                      <a:alpha val="70000"/>
+                    </a:srgbClr>
+                  </a:outerShdw>
+                </a:effectLst>
+                <a:latin typeface="+mj-lt"/>
+              </a:rPr>
+              <a:t>YouTubeCrawlerTool</a:t>
+            </a:r>
+            <a:endParaRPr lang="es-ES_tradnl" dirty="0"/>
+          </a:p>
+        </p:txBody>
+      </p:sp>
     </p:spTree>
     <p:extLst>
       <p:ext uri="{BB962C8B-B14F-4D97-AF65-F5344CB8AC3E}">
@@ -5257,6 +6829,54 @@
           </a:p>
         </p:txBody>
       </p:sp>
+      <p:sp>
+        <p:nvSpPr>
+          <p:cNvPr id="4" name="TextBox 3"/>
+          <p:cNvSpPr txBox="1"/>
+          <p:nvPr/>
+        </p:nvSpPr>
+        <p:spPr>
+          <a:xfrm>
+            <a:off x="6574837" y="9407"/>
+            <a:ext cx="1730963" cy="307777"/>
+          </a:xfrm>
+          <a:prstGeom prst="rect">
+            <a:avLst/>
+          </a:prstGeom>
+          <a:noFill/>
+        </p:spPr>
+        <p:txBody>
+          <a:bodyPr wrap="square" rtlCol="0">
+            <a:spAutoFit/>
+          </a:bodyPr>
+          <a:lstStyle/>
+          <a:p>
+            <a:r>
+              <a:rPr lang="en-US" sz="1400" dirty="0" err="1" smtClean="0">
+                <a:ln w="18415" cmpd="sng">
+                  <a:solidFill>
+                    <a:srgbClr val="FFFFFF"/>
+                  </a:solidFill>
+                  <a:prstDash val="solid"/>
+                </a:ln>
+                <a:solidFill>
+                  <a:srgbClr val="FFFFFF"/>
+                </a:solidFill>
+                <a:effectLst>
+                  <a:outerShdw blurRad="63500" dir="3600000" algn="tl" rotWithShape="0">
+                    <a:srgbClr val="000000">
+                      <a:alpha val="70000"/>
+                    </a:srgbClr>
+                  </a:outerShdw>
+                </a:effectLst>
+                <a:latin typeface="+mj-lt"/>
+              </a:rPr>
+              <a:t>YouTubeCrawlerTool</a:t>
+            </a:r>
+            <a:endParaRPr lang="es-ES_tradnl" dirty="0"/>
+          </a:p>
+        </p:txBody>
+      </p:sp>
     </p:spTree>
     <p:extLst>
       <p:ext uri="{BB962C8B-B14F-4D97-AF65-F5344CB8AC3E}">
@@ -5340,6 +6960,54 @@
           </a:p>
         </p:txBody>
       </p:sp>
+      <p:sp>
+        <p:nvSpPr>
+          <p:cNvPr id="4" name="TextBox 3"/>
+          <p:cNvSpPr txBox="1"/>
+          <p:nvPr/>
+        </p:nvSpPr>
+        <p:spPr>
+          <a:xfrm>
+            <a:off x="6574837" y="9407"/>
+            <a:ext cx="1730963" cy="307777"/>
+          </a:xfrm>
+          <a:prstGeom prst="rect">
+            <a:avLst/>
+          </a:prstGeom>
+          <a:noFill/>
+        </p:spPr>
+        <p:txBody>
+          <a:bodyPr wrap="square" rtlCol="0">
+            <a:spAutoFit/>
+          </a:bodyPr>
+          <a:lstStyle/>
+          <a:p>
+            <a:r>
+              <a:rPr lang="en-US" sz="1400" dirty="0" err="1" smtClean="0">
+                <a:ln w="18415" cmpd="sng">
+                  <a:solidFill>
+                    <a:srgbClr val="FFFFFF"/>
+                  </a:solidFill>
+                  <a:prstDash val="solid"/>
+                </a:ln>
+                <a:solidFill>
+                  <a:srgbClr val="FFFFFF"/>
+                </a:solidFill>
+                <a:effectLst>
+                  <a:outerShdw blurRad="63500" dir="3600000" algn="tl" rotWithShape="0">
+                    <a:srgbClr val="000000">
+                      <a:alpha val="70000"/>
+                    </a:srgbClr>
+                  </a:outerShdw>
+                </a:effectLst>
+                <a:latin typeface="+mj-lt"/>
+              </a:rPr>
+              <a:t>YouTubeCrawlerTool</a:t>
+            </a:r>
+            <a:endParaRPr lang="es-ES_tradnl" dirty="0"/>
+          </a:p>
+        </p:txBody>
+      </p:sp>
     </p:spTree>
     <p:extLst>
       <p:ext uri="{BB962C8B-B14F-4D97-AF65-F5344CB8AC3E}">
@@ -5436,6 +7104,54 @@
           <a:lstStyle/>
           <a:p>
             <a:endParaRPr lang="es-ES_tradnl"/>
+          </a:p>
+        </p:txBody>
+      </p:sp>
+      <p:sp>
+        <p:nvSpPr>
+          <p:cNvPr id="4" name="TextBox 3"/>
+          <p:cNvSpPr txBox="1"/>
+          <p:nvPr/>
+        </p:nvSpPr>
+        <p:spPr>
+          <a:xfrm>
+            <a:off x="6574837" y="9407"/>
+            <a:ext cx="1730963" cy="307777"/>
+          </a:xfrm>
+          <a:prstGeom prst="rect">
+            <a:avLst/>
+          </a:prstGeom>
+          <a:noFill/>
+        </p:spPr>
+        <p:txBody>
+          <a:bodyPr wrap="square" rtlCol="0">
+            <a:spAutoFit/>
+          </a:bodyPr>
+          <a:lstStyle/>
+          <a:p>
+            <a:r>
+              <a:rPr lang="en-US" sz="1400" dirty="0" err="1" smtClean="0">
+                <a:ln w="18415" cmpd="sng">
+                  <a:solidFill>
+                    <a:srgbClr val="FFFFFF"/>
+                  </a:solidFill>
+                  <a:prstDash val="solid"/>
+                </a:ln>
+                <a:solidFill>
+                  <a:srgbClr val="FFFFFF"/>
+                </a:solidFill>
+                <a:effectLst>
+                  <a:outerShdw blurRad="63500" dir="3600000" algn="tl" rotWithShape="0">
+                    <a:srgbClr val="000000">
+                      <a:alpha val="70000"/>
+                    </a:srgbClr>
+                  </a:outerShdw>
+                </a:effectLst>
+                <a:latin typeface="+mj-lt"/>
+              </a:rPr>
+              <a:t>YouTubeCrawlerTool</a:t>
+            </a:r>
+            <a:endParaRPr lang="es-ES_tradnl" dirty="0"/>
           </a:p>
         </p:txBody>
       </p:sp>
@@ -5735,4 +7451,324 @@
   <a:objectDefaults/>
   <a:extraClrSchemeLst/>
 </a:theme>
+</file>
+
+<file path=ppt/theme/theme2.xml><?xml version="1.0" encoding="utf-8"?>
+<a:theme xmlns:a="http://schemas.openxmlformats.org/drawingml/2006/main" name="Office Theme">
+  <a:themeElements>
+    <a:clrScheme name="Office">
+      <a:dk1>
+        <a:sysClr val="windowText" lastClr="000000"/>
+      </a:dk1>
+      <a:lt1>
+        <a:sysClr val="window" lastClr="FFFFFF"/>
+      </a:lt1>
+      <a:dk2>
+        <a:srgbClr val="1F497D"/>
+      </a:dk2>
+      <a:lt2>
+        <a:srgbClr val="EEECE1"/>
+      </a:lt2>
+      <a:accent1>
+        <a:srgbClr val="4F81BD"/>
+      </a:accent1>
+      <a:accent2>
+        <a:srgbClr val="C0504D"/>
+      </a:accent2>
+      <a:accent3>
+        <a:srgbClr val="9BBB59"/>
+      </a:accent3>
+      <a:accent4>
+        <a:srgbClr val="8064A2"/>
+      </a:accent4>
+      <a:accent5>
+        <a:srgbClr val="4BACC6"/>
+      </a:accent5>
+      <a:accent6>
+        <a:srgbClr val="F79646"/>
+      </a:accent6>
+      <a:hlink>
+        <a:srgbClr val="0000FF"/>
+      </a:hlink>
+      <a:folHlink>
+        <a:srgbClr val="800080"/>
+      </a:folHlink>
+    </a:clrScheme>
+    <a:fontScheme name="Office">
+      <a:majorFont>
+        <a:latin typeface="Calibri"/>
+        <a:ea typeface=""/>
+        <a:cs typeface=""/>
+        <a:font script="Jpan" typeface="ＭＳ Ｐゴシック"/>
+        <a:font script="Hang" typeface="맑은 고딕"/>
+        <a:font script="Hans" typeface="宋体"/>
+        <a:font script="Hant" typeface="新細明體"/>
+        <a:font script="Arab" typeface="Times New Roman"/>
+        <a:font script="Hebr" typeface="Times New Roman"/>
+        <a:font script="Thai" typeface="Angsana New"/>
+        <a:font script="Ethi" typeface="Nyala"/>
+        <a:font script="Beng" typeface="Vrinda"/>
+        <a:font script="Gujr" typeface="Shruti"/>
+        <a:font script="Khmr" typeface="MoolBoran"/>
+        <a:font script="Knda" typeface="Tunga"/>
+        <a:font script="Guru" typeface="Raavi"/>
+        <a:font script="Cans" typeface="Euphemia"/>
+        <a:font script="Cher" typeface="Plantagenet Cherokee"/>
+        <a:font script="Yiii" typeface="Microsoft Yi Baiti"/>
+        <a:font script="Tibt" typeface="Microsoft Himalaya"/>
+        <a:font script="Thaa" typeface="MV Boli"/>
+        <a:font script="Deva" typeface="Mangal"/>
+        <a:font script="Telu" typeface="Gautami"/>
+        <a:font script="Taml" typeface="Latha"/>
+        <a:font script="Syrc" typeface="Estrangelo Edessa"/>
+        <a:font script="Orya" typeface="Kalinga"/>
+        <a:font script="Mlym" typeface="Kartika"/>
+        <a:font script="Laoo" typeface="DokChampa"/>
+        <a:font script="Sinh" typeface="Iskoola Pota"/>
+        <a:font script="Mong" typeface="Mongolian Baiti"/>
+        <a:font script="Viet" typeface="Times New Roman"/>
+        <a:font script="Uigh" typeface="Microsoft Uighur"/>
+        <a:font script="Geor" typeface="Sylfaen"/>
+      </a:majorFont>
+      <a:minorFont>
+        <a:latin typeface="Calibri"/>
+        <a:ea typeface=""/>
+        <a:cs typeface=""/>
+        <a:font script="Jpan" typeface="ＭＳ Ｐゴシック"/>
+        <a:font script="Hang" typeface="맑은 고딕"/>
+        <a:font script="Hans" typeface="宋体"/>
+        <a:font script="Hant" typeface="新細明體"/>
+        <a:font script="Arab" typeface="Arial"/>
+        <a:font script="Hebr" typeface="Arial"/>
+        <a:font script="Thai" typeface="Cordia New"/>
+        <a:font script="Ethi" typeface="Nyala"/>
+        <a:font script="Beng" typeface="Vrinda"/>
+        <a:font script="Gujr" typeface="Shruti"/>
+        <a:font script="Khmr" typeface="DaunPenh"/>
+        <a:font script="Knda" typeface="Tunga"/>
+        <a:font script="Guru" typeface="Raavi"/>
+        <a:font script="Cans" typeface="Euphemia"/>
+        <a:font script="Cher" typeface="Plantagenet Cherokee"/>
+        <a:font script="Yiii" typeface="Microsoft Yi Baiti"/>
+        <a:font script="Tibt" typeface="Microsoft Himalaya"/>
+        <a:font script="Thaa" typeface="MV Boli"/>
+        <a:font script="Deva" typeface="Mangal"/>
+        <a:font script="Telu" typeface="Gautami"/>
+        <a:font script="Taml" typeface="Latha"/>
+        <a:font script="Syrc" typeface="Estrangelo Edessa"/>
+        <a:font script="Orya" typeface="Kalinga"/>
+        <a:font script="Mlym" typeface="Kartika"/>
+        <a:font script="Laoo" typeface="DokChampa"/>
+        <a:font script="Sinh" typeface="Iskoola Pota"/>
+        <a:font script="Mong" typeface="Mongolian Baiti"/>
+        <a:font script="Viet" typeface="Arial"/>
+        <a:font script="Uigh" typeface="Microsoft Uighur"/>
+        <a:font script="Geor" typeface="Sylfaen"/>
+      </a:minorFont>
+    </a:fontScheme>
+    <a:fmtScheme name="Office">
+      <a:fillStyleLst>
+        <a:solidFill>
+          <a:schemeClr val="phClr"/>
+        </a:solidFill>
+        <a:gradFill rotWithShape="1">
+          <a:gsLst>
+            <a:gs pos="0">
+              <a:schemeClr val="phClr">
+                <a:tint val="50000"/>
+                <a:satMod val="300000"/>
+              </a:schemeClr>
+            </a:gs>
+            <a:gs pos="35000">
+              <a:schemeClr val="phClr">
+                <a:tint val="37000"/>
+                <a:satMod val="300000"/>
+              </a:schemeClr>
+            </a:gs>
+            <a:gs pos="100000">
+              <a:schemeClr val="phClr">
+                <a:tint val="15000"/>
+                <a:satMod val="350000"/>
+              </a:schemeClr>
+            </a:gs>
+          </a:gsLst>
+          <a:lin ang="16200000" scaled="1"/>
+        </a:gradFill>
+        <a:gradFill rotWithShape="1">
+          <a:gsLst>
+            <a:gs pos="0">
+              <a:schemeClr val="phClr">
+                <a:tint val="100000"/>
+                <a:shade val="100000"/>
+                <a:satMod val="130000"/>
+              </a:schemeClr>
+            </a:gs>
+            <a:gs pos="100000">
+              <a:schemeClr val="phClr">
+                <a:tint val="50000"/>
+                <a:shade val="100000"/>
+                <a:satMod val="350000"/>
+              </a:schemeClr>
+            </a:gs>
+          </a:gsLst>
+          <a:lin ang="16200000" scaled="0"/>
+        </a:gradFill>
+      </a:fillStyleLst>
+      <a:lnStyleLst>
+        <a:ln w="9525" cap="flat" cmpd="sng" algn="ctr">
+          <a:solidFill>
+            <a:schemeClr val="phClr">
+              <a:shade val="95000"/>
+              <a:satMod val="105000"/>
+            </a:schemeClr>
+          </a:solidFill>
+          <a:prstDash val="solid"/>
+        </a:ln>
+        <a:ln w="25400" cap="flat" cmpd="sng" algn="ctr">
+          <a:solidFill>
+            <a:schemeClr val="phClr"/>
+          </a:solidFill>
+          <a:prstDash val="solid"/>
+        </a:ln>
+        <a:ln w="38100" cap="flat" cmpd="sng" algn="ctr">
+          <a:solidFill>
+            <a:schemeClr val="phClr"/>
+          </a:solidFill>
+          <a:prstDash val="solid"/>
+        </a:ln>
+      </a:lnStyleLst>
+      <a:effectStyleLst>
+        <a:effectStyle>
+          <a:effectLst>
+            <a:outerShdw blurRad="40000" dist="20000" dir="5400000" rotWithShape="0">
+              <a:srgbClr val="000000">
+                <a:alpha val="38000"/>
+              </a:srgbClr>
+            </a:outerShdw>
+          </a:effectLst>
+        </a:effectStyle>
+        <a:effectStyle>
+          <a:effectLst>
+            <a:outerShdw blurRad="40000" dist="23000" dir="5400000" rotWithShape="0">
+              <a:srgbClr val="000000">
+                <a:alpha val="35000"/>
+              </a:srgbClr>
+            </a:outerShdw>
+          </a:effectLst>
+        </a:effectStyle>
+        <a:effectStyle>
+          <a:effectLst>
+            <a:outerShdw blurRad="40000" dist="23000" dir="5400000" rotWithShape="0">
+              <a:srgbClr val="000000">
+                <a:alpha val="35000"/>
+              </a:srgbClr>
+            </a:outerShdw>
+          </a:effectLst>
+          <a:scene3d>
+            <a:camera prst="orthographicFront">
+              <a:rot lat="0" lon="0" rev="0"/>
+            </a:camera>
+            <a:lightRig rig="threePt" dir="t">
+              <a:rot lat="0" lon="0" rev="1200000"/>
+            </a:lightRig>
+          </a:scene3d>
+          <a:sp3d>
+            <a:bevelT w="63500" h="25400"/>
+          </a:sp3d>
+        </a:effectStyle>
+      </a:effectStyleLst>
+      <a:bgFillStyleLst>
+        <a:solidFill>
+          <a:schemeClr val="phClr"/>
+        </a:solidFill>
+        <a:gradFill rotWithShape="1">
+          <a:gsLst>
+            <a:gs pos="0">
+              <a:schemeClr val="phClr">
+                <a:tint val="40000"/>
+                <a:satMod val="350000"/>
+              </a:schemeClr>
+            </a:gs>
+            <a:gs pos="40000">
+              <a:schemeClr val="phClr">
+                <a:tint val="45000"/>
+                <a:shade val="99000"/>
+                <a:satMod val="350000"/>
+              </a:schemeClr>
+            </a:gs>
+            <a:gs pos="100000">
+              <a:schemeClr val="phClr">
+                <a:shade val="20000"/>
+                <a:satMod val="255000"/>
+              </a:schemeClr>
+            </a:gs>
+          </a:gsLst>
+          <a:path path="circle">
+            <a:fillToRect l="50000" t="-80000" r="50000" b="180000"/>
+          </a:path>
+        </a:gradFill>
+        <a:gradFill rotWithShape="1">
+          <a:gsLst>
+            <a:gs pos="0">
+              <a:schemeClr val="phClr">
+                <a:tint val="80000"/>
+                <a:satMod val="300000"/>
+              </a:schemeClr>
+            </a:gs>
+            <a:gs pos="100000">
+              <a:schemeClr val="phClr">
+                <a:shade val="30000"/>
+                <a:satMod val="200000"/>
+              </a:schemeClr>
+            </a:gs>
+          </a:gsLst>
+          <a:path path="circle">
+            <a:fillToRect l="50000" t="50000" r="50000" b="50000"/>
+          </a:path>
+        </a:gradFill>
+      </a:bgFillStyleLst>
+    </a:fmtScheme>
+  </a:themeElements>
+  <a:objectDefaults>
+    <a:spDef>
+      <a:spPr/>
+      <a:bodyPr/>
+      <a:lstStyle/>
+      <a:style>
+        <a:lnRef idx="1">
+          <a:schemeClr val="accent1"/>
+        </a:lnRef>
+        <a:fillRef idx="3">
+          <a:schemeClr val="accent1"/>
+        </a:fillRef>
+        <a:effectRef idx="2">
+          <a:schemeClr val="accent1"/>
+        </a:effectRef>
+        <a:fontRef idx="minor">
+          <a:schemeClr val="lt1"/>
+        </a:fontRef>
+      </a:style>
+    </a:spDef>
+    <a:lnDef>
+      <a:spPr/>
+      <a:bodyPr/>
+      <a:lstStyle/>
+      <a:style>
+        <a:lnRef idx="2">
+          <a:schemeClr val="accent1"/>
+        </a:lnRef>
+        <a:fillRef idx="0">
+          <a:schemeClr val="accent1"/>
+        </a:fillRef>
+        <a:effectRef idx="1">
+          <a:schemeClr val="accent1"/>
+        </a:effectRef>
+        <a:fontRef idx="minor">
+          <a:schemeClr val="tx1"/>
+        </a:fontRef>
+      </a:style>
+    </a:lnDef>
+  </a:objectDefaults>
+  <a:extraClrSchemeLst/>
+</a:theme>
 </file>